--- a/presentatie/minproject-presentatie.pptx
+++ b/presentatie/minproject-presentatie.pptx
@@ -8,15 +8,14 @@
     <p:sldId id="256" r:id="rId2"/>
     <p:sldId id="257" r:id="rId3"/>
     <p:sldId id="259" r:id="rId4"/>
-    <p:sldId id="260" r:id="rId5"/>
-    <p:sldId id="261" r:id="rId6"/>
+    <p:sldId id="269" r:id="rId5"/>
+    <p:sldId id="263" r:id="rId6"/>
     <p:sldId id="262" r:id="rId7"/>
-    <p:sldId id="263" r:id="rId8"/>
-    <p:sldId id="265" r:id="rId9"/>
-    <p:sldId id="264" r:id="rId10"/>
-    <p:sldId id="266" r:id="rId11"/>
-    <p:sldId id="267" r:id="rId12"/>
-    <p:sldId id="268" r:id="rId13"/>
+    <p:sldId id="267" r:id="rId8"/>
+    <p:sldId id="264" r:id="rId9"/>
+    <p:sldId id="270" r:id="rId10"/>
+    <p:sldId id="268" r:id="rId11"/>
+    <p:sldId id="271" r:id="rId12"/>
   </p:sldIdLst>
   <p:sldSz cx="12192000" cy="6858000"/>
   <p:notesSz cx="6858000" cy="9144000"/>
@@ -115,6 +114,11 @@
       </a:defRPr>
     </a:lvl9pPr>
   </p:defaultTextStyle>
+  <p:extLst>
+    <p:ext uri="{EFAFB233-063F-42B5-8137-9DF3F51BA10A}">
+      <p15:sldGuideLst xmlns:p15="http://schemas.microsoft.com/office/powerpoint/2012/main"/>
+    </p:ext>
+  </p:extLst>
 </p:presentation>
 </file>
 
@@ -160,10 +164,9 @@
           </a:lstStyle>
           <a:p>
             <a:r>
-              <a:rPr lang="nl-NL" smtClean="0"/>
+              <a:rPr lang="nl-NL"/>
               <a:t>Titelstijl van model bewerken</a:t>
             </a:r>
-            <a:endParaRPr lang="nl-NL"/>
           </a:p>
         </p:txBody>
       </p:sp>
@@ -225,10 +228,9 @@
           </a:lstStyle>
           <a:p>
             <a:r>
-              <a:rPr lang="nl-NL" smtClean="0"/>
+              <a:rPr lang="nl-NL"/>
               <a:t>Klik om de ondertitelstijl van het model te bewerken</a:t>
             </a:r>
-            <a:endParaRPr lang="nl-NL"/>
           </a:p>
         </p:txBody>
       </p:sp>
@@ -249,7 +251,7 @@
           <a:p>
             <a:fld id="{4E04CB8A-7A2E-EC41-B283-66DC39C44CB7}" type="datetimeFigureOut">
               <a:rPr lang="nl-NL" smtClean="0"/>
-              <a:t>02-11-16</a:t>
+              <a:t>2-11-2016</a:t>
             </a:fld>
             <a:endParaRPr lang="nl-NL"/>
           </a:p>
@@ -291,7 +293,7 @@
           <a:p>
             <a:fld id="{089B28C7-9B15-5A46-8446-0F6F27DA0683}" type="slidenum">
               <a:rPr lang="nl-NL" smtClean="0"/>
-              <a:t>‹nr.›</a:t>
+              <a:t>‹#›</a:t>
             </a:fld>
             <a:endParaRPr lang="nl-NL"/>
           </a:p>
@@ -343,10 +345,9 @@
           <a:lstStyle/>
           <a:p>
             <a:r>
-              <a:rPr lang="nl-NL" smtClean="0"/>
+              <a:rPr lang="nl-NL"/>
               <a:t>Titelstijl van model bewerken</a:t>
             </a:r>
-            <a:endParaRPr lang="nl-NL"/>
           </a:p>
         </p:txBody>
       </p:sp>
@@ -367,38 +368,37 @@
           <a:p>
             <a:pPr lvl="0"/>
             <a:r>
-              <a:rPr lang="nl-NL" smtClean="0"/>
+              <a:rPr lang="nl-NL"/>
               <a:t>Klik om de tekststijl van het model te bewerken</a:t>
             </a:r>
           </a:p>
           <a:p>
             <a:pPr lvl="1"/>
             <a:r>
-              <a:rPr lang="nl-NL" smtClean="0"/>
+              <a:rPr lang="nl-NL"/>
               <a:t>Tweede niveau</a:t>
             </a:r>
           </a:p>
           <a:p>
             <a:pPr lvl="2"/>
             <a:r>
-              <a:rPr lang="nl-NL" smtClean="0"/>
+              <a:rPr lang="nl-NL"/>
               <a:t>Derde niveau</a:t>
             </a:r>
           </a:p>
           <a:p>
             <a:pPr lvl="3"/>
             <a:r>
-              <a:rPr lang="nl-NL" smtClean="0"/>
+              <a:rPr lang="nl-NL"/>
               <a:t>Vierde niveau</a:t>
             </a:r>
           </a:p>
           <a:p>
             <a:pPr lvl="4"/>
             <a:r>
-              <a:rPr lang="nl-NL" smtClean="0"/>
+              <a:rPr lang="nl-NL"/>
               <a:t>Vijfde niveau</a:t>
             </a:r>
-            <a:endParaRPr lang="nl-NL"/>
           </a:p>
         </p:txBody>
       </p:sp>
@@ -419,7 +419,7 @@
           <a:p>
             <a:fld id="{4E04CB8A-7A2E-EC41-B283-66DC39C44CB7}" type="datetimeFigureOut">
               <a:rPr lang="nl-NL" smtClean="0"/>
-              <a:t>02-11-16</a:t>
+              <a:t>2-11-2016</a:t>
             </a:fld>
             <a:endParaRPr lang="nl-NL"/>
           </a:p>
@@ -461,7 +461,7 @@
           <a:p>
             <a:fld id="{089B28C7-9B15-5A46-8446-0F6F27DA0683}" type="slidenum">
               <a:rPr lang="nl-NL" smtClean="0"/>
-              <a:t>‹nr.›</a:t>
+              <a:t>‹#›</a:t>
             </a:fld>
             <a:endParaRPr lang="nl-NL"/>
           </a:p>
@@ -518,10 +518,9 @@
           <a:lstStyle/>
           <a:p>
             <a:r>
-              <a:rPr lang="nl-NL" smtClean="0"/>
+              <a:rPr lang="nl-NL"/>
               <a:t>Titelstijl van model bewerken</a:t>
             </a:r>
-            <a:endParaRPr lang="nl-NL"/>
           </a:p>
         </p:txBody>
       </p:sp>
@@ -547,38 +546,37 @@
           <a:p>
             <a:pPr lvl="0"/>
             <a:r>
-              <a:rPr lang="nl-NL" smtClean="0"/>
+              <a:rPr lang="nl-NL"/>
               <a:t>Klik om de tekststijl van het model te bewerken</a:t>
             </a:r>
           </a:p>
           <a:p>
             <a:pPr lvl="1"/>
             <a:r>
-              <a:rPr lang="nl-NL" smtClean="0"/>
+              <a:rPr lang="nl-NL"/>
               <a:t>Tweede niveau</a:t>
             </a:r>
           </a:p>
           <a:p>
             <a:pPr lvl="2"/>
             <a:r>
-              <a:rPr lang="nl-NL" smtClean="0"/>
+              <a:rPr lang="nl-NL"/>
               <a:t>Derde niveau</a:t>
             </a:r>
           </a:p>
           <a:p>
             <a:pPr lvl="3"/>
             <a:r>
-              <a:rPr lang="nl-NL" smtClean="0"/>
+              <a:rPr lang="nl-NL"/>
               <a:t>Vierde niveau</a:t>
             </a:r>
           </a:p>
           <a:p>
             <a:pPr lvl="4"/>
             <a:r>
-              <a:rPr lang="nl-NL" smtClean="0"/>
+              <a:rPr lang="nl-NL"/>
               <a:t>Vijfde niveau</a:t>
             </a:r>
-            <a:endParaRPr lang="nl-NL"/>
           </a:p>
         </p:txBody>
       </p:sp>
@@ -599,7 +597,7 @@
           <a:p>
             <a:fld id="{4E04CB8A-7A2E-EC41-B283-66DC39C44CB7}" type="datetimeFigureOut">
               <a:rPr lang="nl-NL" smtClean="0"/>
-              <a:t>02-11-16</a:t>
+              <a:t>2-11-2016</a:t>
             </a:fld>
             <a:endParaRPr lang="nl-NL"/>
           </a:p>
@@ -641,7 +639,7 @@
           <a:p>
             <a:fld id="{089B28C7-9B15-5A46-8446-0F6F27DA0683}" type="slidenum">
               <a:rPr lang="nl-NL" smtClean="0"/>
-              <a:t>‹nr.›</a:t>
+              <a:t>‹#›</a:t>
             </a:fld>
             <a:endParaRPr lang="nl-NL"/>
           </a:p>
@@ -693,10 +691,9 @@
           <a:lstStyle/>
           <a:p>
             <a:r>
-              <a:rPr lang="nl-NL" smtClean="0"/>
+              <a:rPr lang="nl-NL"/>
               <a:t>Titelstijl van model bewerken</a:t>
             </a:r>
-            <a:endParaRPr lang="nl-NL"/>
           </a:p>
         </p:txBody>
       </p:sp>
@@ -717,38 +714,37 @@
           <a:p>
             <a:pPr lvl="0"/>
             <a:r>
-              <a:rPr lang="nl-NL" smtClean="0"/>
+              <a:rPr lang="nl-NL"/>
               <a:t>Klik om de tekststijl van het model te bewerken</a:t>
             </a:r>
           </a:p>
           <a:p>
             <a:pPr lvl="1"/>
             <a:r>
-              <a:rPr lang="nl-NL" smtClean="0"/>
+              <a:rPr lang="nl-NL"/>
               <a:t>Tweede niveau</a:t>
             </a:r>
           </a:p>
           <a:p>
             <a:pPr lvl="2"/>
             <a:r>
-              <a:rPr lang="nl-NL" smtClean="0"/>
+              <a:rPr lang="nl-NL"/>
               <a:t>Derde niveau</a:t>
             </a:r>
           </a:p>
           <a:p>
             <a:pPr lvl="3"/>
             <a:r>
-              <a:rPr lang="nl-NL" smtClean="0"/>
+              <a:rPr lang="nl-NL"/>
               <a:t>Vierde niveau</a:t>
             </a:r>
           </a:p>
           <a:p>
             <a:pPr lvl="4"/>
             <a:r>
-              <a:rPr lang="nl-NL" smtClean="0"/>
+              <a:rPr lang="nl-NL"/>
               <a:t>Vijfde niveau</a:t>
             </a:r>
-            <a:endParaRPr lang="nl-NL"/>
           </a:p>
         </p:txBody>
       </p:sp>
@@ -769,7 +765,7 @@
           <a:p>
             <a:fld id="{4E04CB8A-7A2E-EC41-B283-66DC39C44CB7}" type="datetimeFigureOut">
               <a:rPr lang="nl-NL" smtClean="0"/>
-              <a:t>02-11-16</a:t>
+              <a:t>2-11-2016</a:t>
             </a:fld>
             <a:endParaRPr lang="nl-NL"/>
           </a:p>
@@ -811,7 +807,7 @@
           <a:p>
             <a:fld id="{089B28C7-9B15-5A46-8446-0F6F27DA0683}" type="slidenum">
               <a:rPr lang="nl-NL" smtClean="0"/>
-              <a:t>‹nr.›</a:t>
+              <a:t>‹#›</a:t>
             </a:fld>
             <a:endParaRPr lang="nl-NL"/>
           </a:p>
@@ -872,10 +868,9 @@
           </a:lstStyle>
           <a:p>
             <a:r>
-              <a:rPr lang="nl-NL" smtClean="0"/>
+              <a:rPr lang="nl-NL"/>
               <a:t>Titelstijl van model bewerken</a:t>
             </a:r>
-            <a:endParaRPr lang="nl-NL"/>
           </a:p>
         </p:txBody>
       </p:sp>
@@ -992,7 +987,7 @@
           <a:p>
             <a:pPr lvl="0"/>
             <a:r>
-              <a:rPr lang="nl-NL" smtClean="0"/>
+              <a:rPr lang="nl-NL"/>
               <a:t>Klik om de tekststijl van het model te bewerken</a:t>
             </a:r>
           </a:p>
@@ -1015,7 +1010,7 @@
           <a:p>
             <a:fld id="{4E04CB8A-7A2E-EC41-B283-66DC39C44CB7}" type="datetimeFigureOut">
               <a:rPr lang="nl-NL" smtClean="0"/>
-              <a:t>02-11-16</a:t>
+              <a:t>2-11-2016</a:t>
             </a:fld>
             <a:endParaRPr lang="nl-NL"/>
           </a:p>
@@ -1057,7 +1052,7 @@
           <a:p>
             <a:fld id="{089B28C7-9B15-5A46-8446-0F6F27DA0683}" type="slidenum">
               <a:rPr lang="nl-NL" smtClean="0"/>
-              <a:t>‹nr.›</a:t>
+              <a:t>‹#›</a:t>
             </a:fld>
             <a:endParaRPr lang="nl-NL"/>
           </a:p>
@@ -1109,10 +1104,9 @@
           <a:lstStyle/>
           <a:p>
             <a:r>
-              <a:rPr lang="nl-NL" smtClean="0"/>
+              <a:rPr lang="nl-NL"/>
               <a:t>Titelstijl van model bewerken</a:t>
             </a:r>
-            <a:endParaRPr lang="nl-NL"/>
           </a:p>
         </p:txBody>
       </p:sp>
@@ -1138,38 +1132,37 @@
           <a:p>
             <a:pPr lvl="0"/>
             <a:r>
-              <a:rPr lang="nl-NL" smtClean="0"/>
+              <a:rPr lang="nl-NL"/>
               <a:t>Klik om de tekststijl van het model te bewerken</a:t>
             </a:r>
           </a:p>
           <a:p>
             <a:pPr lvl="1"/>
             <a:r>
-              <a:rPr lang="nl-NL" smtClean="0"/>
+              <a:rPr lang="nl-NL"/>
               <a:t>Tweede niveau</a:t>
             </a:r>
           </a:p>
           <a:p>
             <a:pPr lvl="2"/>
             <a:r>
-              <a:rPr lang="nl-NL" smtClean="0"/>
+              <a:rPr lang="nl-NL"/>
               <a:t>Derde niveau</a:t>
             </a:r>
           </a:p>
           <a:p>
             <a:pPr lvl="3"/>
             <a:r>
-              <a:rPr lang="nl-NL" smtClean="0"/>
+              <a:rPr lang="nl-NL"/>
               <a:t>Vierde niveau</a:t>
             </a:r>
           </a:p>
           <a:p>
             <a:pPr lvl="4"/>
             <a:r>
-              <a:rPr lang="nl-NL" smtClean="0"/>
+              <a:rPr lang="nl-NL"/>
               <a:t>Vijfde niveau</a:t>
             </a:r>
-            <a:endParaRPr lang="nl-NL"/>
           </a:p>
         </p:txBody>
       </p:sp>
@@ -1195,38 +1188,37 @@
           <a:p>
             <a:pPr lvl="0"/>
             <a:r>
-              <a:rPr lang="nl-NL" smtClean="0"/>
+              <a:rPr lang="nl-NL"/>
               <a:t>Klik om de tekststijl van het model te bewerken</a:t>
             </a:r>
           </a:p>
           <a:p>
             <a:pPr lvl="1"/>
             <a:r>
-              <a:rPr lang="nl-NL" smtClean="0"/>
+              <a:rPr lang="nl-NL"/>
               <a:t>Tweede niveau</a:t>
             </a:r>
           </a:p>
           <a:p>
             <a:pPr lvl="2"/>
             <a:r>
-              <a:rPr lang="nl-NL" smtClean="0"/>
+              <a:rPr lang="nl-NL"/>
               <a:t>Derde niveau</a:t>
             </a:r>
           </a:p>
           <a:p>
             <a:pPr lvl="3"/>
             <a:r>
-              <a:rPr lang="nl-NL" smtClean="0"/>
+              <a:rPr lang="nl-NL"/>
               <a:t>Vierde niveau</a:t>
             </a:r>
           </a:p>
           <a:p>
             <a:pPr lvl="4"/>
             <a:r>
-              <a:rPr lang="nl-NL" smtClean="0"/>
+              <a:rPr lang="nl-NL"/>
               <a:t>Vijfde niveau</a:t>
             </a:r>
-            <a:endParaRPr lang="nl-NL"/>
           </a:p>
         </p:txBody>
       </p:sp>
@@ -1247,7 +1239,7 @@
           <a:p>
             <a:fld id="{4E04CB8A-7A2E-EC41-B283-66DC39C44CB7}" type="datetimeFigureOut">
               <a:rPr lang="nl-NL" smtClean="0"/>
-              <a:t>02-11-16</a:t>
+              <a:t>2-11-2016</a:t>
             </a:fld>
             <a:endParaRPr lang="nl-NL"/>
           </a:p>
@@ -1289,7 +1281,7 @@
           <a:p>
             <a:fld id="{089B28C7-9B15-5A46-8446-0F6F27DA0683}" type="slidenum">
               <a:rPr lang="nl-NL" smtClean="0"/>
-              <a:t>‹nr.›</a:t>
+              <a:t>‹#›</a:t>
             </a:fld>
             <a:endParaRPr lang="nl-NL"/>
           </a:p>
@@ -1346,10 +1338,9 @@
           <a:lstStyle/>
           <a:p>
             <a:r>
-              <a:rPr lang="nl-NL" smtClean="0"/>
+              <a:rPr lang="nl-NL"/>
               <a:t>Titelstijl van model bewerken</a:t>
             </a:r>
-            <a:endParaRPr lang="nl-NL"/>
           </a:p>
         </p:txBody>
       </p:sp>
@@ -1412,7 +1403,7 @@
           <a:p>
             <a:pPr lvl="0"/>
             <a:r>
-              <a:rPr lang="nl-NL" smtClean="0"/>
+              <a:rPr lang="nl-NL"/>
               <a:t>Klik om de tekststijl van het model te bewerken</a:t>
             </a:r>
           </a:p>
@@ -1440,38 +1431,37 @@
           <a:p>
             <a:pPr lvl="0"/>
             <a:r>
-              <a:rPr lang="nl-NL" smtClean="0"/>
+              <a:rPr lang="nl-NL"/>
               <a:t>Klik om de tekststijl van het model te bewerken</a:t>
             </a:r>
           </a:p>
           <a:p>
             <a:pPr lvl="1"/>
             <a:r>
-              <a:rPr lang="nl-NL" smtClean="0"/>
+              <a:rPr lang="nl-NL"/>
               <a:t>Tweede niveau</a:t>
             </a:r>
           </a:p>
           <a:p>
             <a:pPr lvl="2"/>
             <a:r>
-              <a:rPr lang="nl-NL" smtClean="0"/>
+              <a:rPr lang="nl-NL"/>
               <a:t>Derde niveau</a:t>
             </a:r>
           </a:p>
           <a:p>
             <a:pPr lvl="3"/>
             <a:r>
-              <a:rPr lang="nl-NL" smtClean="0"/>
+              <a:rPr lang="nl-NL"/>
               <a:t>Vierde niveau</a:t>
             </a:r>
           </a:p>
           <a:p>
             <a:pPr lvl="4"/>
             <a:r>
-              <a:rPr lang="nl-NL" smtClean="0"/>
+              <a:rPr lang="nl-NL"/>
               <a:t>Vijfde niveau</a:t>
             </a:r>
-            <a:endParaRPr lang="nl-NL"/>
           </a:p>
         </p:txBody>
       </p:sp>
@@ -1534,7 +1524,7 @@
           <a:p>
             <a:pPr lvl="0"/>
             <a:r>
-              <a:rPr lang="nl-NL" smtClean="0"/>
+              <a:rPr lang="nl-NL"/>
               <a:t>Klik om de tekststijl van het model te bewerken</a:t>
             </a:r>
           </a:p>
@@ -1562,38 +1552,37 @@
           <a:p>
             <a:pPr lvl="0"/>
             <a:r>
-              <a:rPr lang="nl-NL" smtClean="0"/>
+              <a:rPr lang="nl-NL"/>
               <a:t>Klik om de tekststijl van het model te bewerken</a:t>
             </a:r>
           </a:p>
           <a:p>
             <a:pPr lvl="1"/>
             <a:r>
-              <a:rPr lang="nl-NL" smtClean="0"/>
+              <a:rPr lang="nl-NL"/>
               <a:t>Tweede niveau</a:t>
             </a:r>
           </a:p>
           <a:p>
             <a:pPr lvl="2"/>
             <a:r>
-              <a:rPr lang="nl-NL" smtClean="0"/>
+              <a:rPr lang="nl-NL"/>
               <a:t>Derde niveau</a:t>
             </a:r>
           </a:p>
           <a:p>
             <a:pPr lvl="3"/>
             <a:r>
-              <a:rPr lang="nl-NL" smtClean="0"/>
+              <a:rPr lang="nl-NL"/>
               <a:t>Vierde niveau</a:t>
             </a:r>
           </a:p>
           <a:p>
             <a:pPr lvl="4"/>
             <a:r>
-              <a:rPr lang="nl-NL" smtClean="0"/>
+              <a:rPr lang="nl-NL"/>
               <a:t>Vijfde niveau</a:t>
             </a:r>
-            <a:endParaRPr lang="nl-NL"/>
           </a:p>
         </p:txBody>
       </p:sp>
@@ -1614,7 +1603,7 @@
           <a:p>
             <a:fld id="{4E04CB8A-7A2E-EC41-B283-66DC39C44CB7}" type="datetimeFigureOut">
               <a:rPr lang="nl-NL" smtClean="0"/>
-              <a:t>02-11-16</a:t>
+              <a:t>2-11-2016</a:t>
             </a:fld>
             <a:endParaRPr lang="nl-NL"/>
           </a:p>
@@ -1656,7 +1645,7 @@
           <a:p>
             <a:fld id="{089B28C7-9B15-5A46-8446-0F6F27DA0683}" type="slidenum">
               <a:rPr lang="nl-NL" smtClean="0"/>
-              <a:t>‹nr.›</a:t>
+              <a:t>‹#›</a:t>
             </a:fld>
             <a:endParaRPr lang="nl-NL"/>
           </a:p>
@@ -1708,10 +1697,9 @@
           <a:lstStyle/>
           <a:p>
             <a:r>
-              <a:rPr lang="nl-NL" smtClean="0"/>
+              <a:rPr lang="nl-NL"/>
               <a:t>Titelstijl van model bewerken</a:t>
             </a:r>
-            <a:endParaRPr lang="nl-NL"/>
           </a:p>
         </p:txBody>
       </p:sp>
@@ -1732,7 +1720,7 @@
           <a:p>
             <a:fld id="{4E04CB8A-7A2E-EC41-B283-66DC39C44CB7}" type="datetimeFigureOut">
               <a:rPr lang="nl-NL" smtClean="0"/>
-              <a:t>02-11-16</a:t>
+              <a:t>2-11-2016</a:t>
             </a:fld>
             <a:endParaRPr lang="nl-NL"/>
           </a:p>
@@ -1774,7 +1762,7 @@
           <a:p>
             <a:fld id="{089B28C7-9B15-5A46-8446-0F6F27DA0683}" type="slidenum">
               <a:rPr lang="nl-NL" smtClean="0"/>
-              <a:t>‹nr.›</a:t>
+              <a:t>‹#›</a:t>
             </a:fld>
             <a:endParaRPr lang="nl-NL"/>
           </a:p>
@@ -1827,7 +1815,7 @@
           <a:p>
             <a:fld id="{4E04CB8A-7A2E-EC41-B283-66DC39C44CB7}" type="datetimeFigureOut">
               <a:rPr lang="nl-NL" smtClean="0"/>
-              <a:t>02-11-16</a:t>
+              <a:t>2-11-2016</a:t>
             </a:fld>
             <a:endParaRPr lang="nl-NL"/>
           </a:p>
@@ -1869,7 +1857,7 @@
           <a:p>
             <a:fld id="{089B28C7-9B15-5A46-8446-0F6F27DA0683}" type="slidenum">
               <a:rPr lang="nl-NL" smtClean="0"/>
-              <a:t>‹nr.›</a:t>
+              <a:t>‹#›</a:t>
             </a:fld>
             <a:endParaRPr lang="nl-NL"/>
           </a:p>
@@ -1930,10 +1918,9 @@
           </a:lstStyle>
           <a:p>
             <a:r>
-              <a:rPr lang="nl-NL" smtClean="0"/>
+              <a:rPr lang="nl-NL"/>
               <a:t>Titelstijl van model bewerken</a:t>
             </a:r>
-            <a:endParaRPr lang="nl-NL"/>
           </a:p>
         </p:txBody>
       </p:sp>
@@ -1987,38 +1974,37 @@
           <a:p>
             <a:pPr lvl="0"/>
             <a:r>
-              <a:rPr lang="nl-NL" smtClean="0"/>
+              <a:rPr lang="nl-NL"/>
               <a:t>Klik om de tekststijl van het model te bewerken</a:t>
             </a:r>
           </a:p>
           <a:p>
             <a:pPr lvl="1"/>
             <a:r>
-              <a:rPr lang="nl-NL" smtClean="0"/>
+              <a:rPr lang="nl-NL"/>
               <a:t>Tweede niveau</a:t>
             </a:r>
           </a:p>
           <a:p>
             <a:pPr lvl="2"/>
             <a:r>
-              <a:rPr lang="nl-NL" smtClean="0"/>
+              <a:rPr lang="nl-NL"/>
               <a:t>Derde niveau</a:t>
             </a:r>
           </a:p>
           <a:p>
             <a:pPr lvl="3"/>
             <a:r>
-              <a:rPr lang="nl-NL" smtClean="0"/>
+              <a:rPr lang="nl-NL"/>
               <a:t>Vierde niveau</a:t>
             </a:r>
           </a:p>
           <a:p>
             <a:pPr lvl="4"/>
             <a:r>
-              <a:rPr lang="nl-NL" smtClean="0"/>
+              <a:rPr lang="nl-NL"/>
               <a:t>Vijfde niveau</a:t>
             </a:r>
-            <a:endParaRPr lang="nl-NL"/>
           </a:p>
         </p:txBody>
       </p:sp>
@@ -2081,7 +2067,7 @@
           <a:p>
             <a:pPr lvl="0"/>
             <a:r>
-              <a:rPr lang="nl-NL" smtClean="0"/>
+              <a:rPr lang="nl-NL"/>
               <a:t>Klik om de tekststijl van het model te bewerken</a:t>
             </a:r>
           </a:p>
@@ -2104,7 +2090,7 @@
           <a:p>
             <a:fld id="{4E04CB8A-7A2E-EC41-B283-66DC39C44CB7}" type="datetimeFigureOut">
               <a:rPr lang="nl-NL" smtClean="0"/>
-              <a:t>02-11-16</a:t>
+              <a:t>2-11-2016</a:t>
             </a:fld>
             <a:endParaRPr lang="nl-NL"/>
           </a:p>
@@ -2146,7 +2132,7 @@
           <a:p>
             <a:fld id="{089B28C7-9B15-5A46-8446-0F6F27DA0683}" type="slidenum">
               <a:rPr lang="nl-NL" smtClean="0"/>
-              <a:t>‹nr.›</a:t>
+              <a:t>‹#›</a:t>
             </a:fld>
             <a:endParaRPr lang="nl-NL"/>
           </a:p>
@@ -2207,10 +2193,9 @@
           </a:lstStyle>
           <a:p>
             <a:r>
-              <a:rPr lang="nl-NL" smtClean="0"/>
+              <a:rPr lang="nl-NL"/>
               <a:t>Titelstijl van model bewerken</a:t>
             </a:r>
-            <a:endParaRPr lang="nl-NL"/>
           </a:p>
         </p:txBody>
       </p:sp>
@@ -2334,7 +2319,7 @@
           <a:p>
             <a:pPr lvl="0"/>
             <a:r>
-              <a:rPr lang="nl-NL" smtClean="0"/>
+              <a:rPr lang="nl-NL"/>
               <a:t>Klik om de tekststijl van het model te bewerken</a:t>
             </a:r>
           </a:p>
@@ -2357,7 +2342,7 @@
           <a:p>
             <a:fld id="{4E04CB8A-7A2E-EC41-B283-66DC39C44CB7}" type="datetimeFigureOut">
               <a:rPr lang="nl-NL" smtClean="0"/>
-              <a:t>02-11-16</a:t>
+              <a:t>2-11-2016</a:t>
             </a:fld>
             <a:endParaRPr lang="nl-NL"/>
           </a:p>
@@ -2399,7 +2384,7 @@
           <a:p>
             <a:fld id="{089B28C7-9B15-5A46-8446-0F6F27DA0683}" type="slidenum">
               <a:rPr lang="nl-NL" smtClean="0"/>
-              <a:t>‹nr.›</a:t>
+              <a:t>‹#›</a:t>
             </a:fld>
             <a:endParaRPr lang="nl-NL"/>
           </a:p>
@@ -2466,10 +2451,9 @@
           <a:lstStyle/>
           <a:p>
             <a:r>
-              <a:rPr lang="nl-NL" smtClean="0"/>
+              <a:rPr lang="nl-NL"/>
               <a:t>Titelstijl van model bewerken</a:t>
             </a:r>
-            <a:endParaRPr lang="nl-NL"/>
           </a:p>
         </p:txBody>
       </p:sp>
@@ -2500,38 +2484,37 @@
           <a:p>
             <a:pPr lvl="0"/>
             <a:r>
-              <a:rPr lang="nl-NL" smtClean="0"/>
+              <a:rPr lang="nl-NL"/>
               <a:t>Klik om de tekststijl van het model te bewerken</a:t>
             </a:r>
           </a:p>
           <a:p>
             <a:pPr lvl="1"/>
             <a:r>
-              <a:rPr lang="nl-NL" smtClean="0"/>
+              <a:rPr lang="nl-NL"/>
               <a:t>Tweede niveau</a:t>
             </a:r>
           </a:p>
           <a:p>
             <a:pPr lvl="2"/>
             <a:r>
-              <a:rPr lang="nl-NL" smtClean="0"/>
+              <a:rPr lang="nl-NL"/>
               <a:t>Derde niveau</a:t>
             </a:r>
           </a:p>
           <a:p>
             <a:pPr lvl="3"/>
             <a:r>
-              <a:rPr lang="nl-NL" smtClean="0"/>
+              <a:rPr lang="nl-NL"/>
               <a:t>Vierde niveau</a:t>
             </a:r>
           </a:p>
           <a:p>
             <a:pPr lvl="4"/>
             <a:r>
-              <a:rPr lang="nl-NL" smtClean="0"/>
+              <a:rPr lang="nl-NL"/>
               <a:t>Vijfde niveau</a:t>
             </a:r>
-            <a:endParaRPr lang="nl-NL"/>
           </a:p>
         </p:txBody>
       </p:sp>
@@ -2570,7 +2553,7 @@
           <a:p>
             <a:fld id="{4E04CB8A-7A2E-EC41-B283-66DC39C44CB7}" type="datetimeFigureOut">
               <a:rPr lang="nl-NL" smtClean="0"/>
-              <a:t>02-11-16</a:t>
+              <a:t>2-11-2016</a:t>
             </a:fld>
             <a:endParaRPr lang="nl-NL"/>
           </a:p>
@@ -2648,7 +2631,7 @@
           <a:p>
             <a:fld id="{089B28C7-9B15-5A46-8446-0F6F27DA0683}" type="slidenum">
               <a:rPr lang="nl-NL" smtClean="0"/>
-              <a:t>‹nr.›</a:t>
+              <a:t>‹#›</a:t>
             </a:fld>
             <a:endParaRPr lang="nl-NL"/>
           </a:p>
@@ -3011,7 +2994,7 @@
               </a:lnSpc>
             </a:pPr>
             <a:r>
-              <a:rPr lang="nl-NL" sz="8000" b="1" dirty="0" smtClean="0">
+              <a:rPr lang="nl-NL" sz="8000" b="1" dirty="0">
                 <a:solidFill>
                   <a:schemeClr val="bg1"/>
                 </a:solidFill>
@@ -3022,7 +3005,7 @@
               <a:t>Python </a:t>
             </a:r>
             <a:br>
-              <a:rPr lang="nl-NL" sz="8000" b="1" dirty="0" smtClean="0">
+              <a:rPr lang="nl-NL" sz="8000" b="1" dirty="0">
                 <a:solidFill>
                   <a:schemeClr val="bg1"/>
                 </a:solidFill>
@@ -3032,7 +3015,7 @@
               </a:rPr>
             </a:br>
             <a:r>
-              <a:rPr lang="nl-NL" sz="8000" b="1" dirty="0" smtClean="0">
+              <a:rPr lang="nl-NL" sz="8000" b="1" dirty="0">
                 <a:solidFill>
                   <a:schemeClr val="bg1"/>
                 </a:solidFill>
@@ -3042,14 +3025,6 @@
               </a:rPr>
               <a:t>Inbraakalarm</a:t>
             </a:r>
-            <a:endParaRPr lang="nl-NL" sz="8000" b="1" dirty="0">
-              <a:solidFill>
-                <a:schemeClr val="bg1"/>
-              </a:solidFill>
-              <a:latin typeface="Calibri" charset="0"/>
-              <a:ea typeface="Calibri" charset="0"/>
-              <a:cs typeface="Calibri" charset="0"/>
-            </a:endParaRPr>
           </a:p>
         </p:txBody>
       </p:sp>
@@ -3074,18 +3049,13 @@
           <a:lstStyle/>
           <a:p>
             <a:r>
-              <a:rPr lang="nl-NL" dirty="0" smtClean="0">
+              <a:rPr lang="nl-NL" dirty="0">
                 <a:solidFill>
                   <a:schemeClr val="bg1"/>
                 </a:solidFill>
               </a:rPr>
-              <a:t>V1B - Team 2</a:t>
-            </a:r>
-            <a:endParaRPr lang="nl-NL" dirty="0">
-              <a:solidFill>
-                <a:schemeClr val="bg1"/>
-              </a:solidFill>
-            </a:endParaRPr>
+              <a:t>V1B - Groep 2</a:t>
+            </a:r>
           </a:p>
         </p:txBody>
       </p:sp>
@@ -3221,13 +3191,6 @@
   <p:clrMapOvr>
     <a:masterClrMapping/>
   </p:clrMapOvr>
-  <p:timing>
-    <p:tnLst>
-      <p:par>
-        <p:cTn id="1" dur="indefinite" restart="never" nodeType="tmRoot"/>
-      </p:par>
-    </p:tnLst>
-  </p:timing>
 </p:sld>
 </file>
 
@@ -3248,53 +3211,213 @@
           <a:chExt cx="0" cy="0"/>
         </a:xfrm>
       </p:grpSpPr>
-      <p:pic>
-        <p:nvPicPr>
-          <p:cNvPr id="4" name="Afbeelding 3"/>
-          <p:cNvPicPr>
-            <a:picLocks noChangeAspect="1"/>
-          </p:cNvPicPr>
-          <p:nvPr/>
-        </p:nvPicPr>
-        <p:blipFill>
-          <a:blip r:embed="rId2">
-            <a:extLst>
-              <a:ext uri="{28A0092B-C50C-407E-A947-70E740481C1C}">
-                <a14:useLocalDpi xmlns:a14="http://schemas.microsoft.com/office/drawing/2010/main" val="0"/>
-              </a:ext>
-            </a:extLst>
-          </a:blip>
-          <a:stretch>
-            <a:fillRect/>
-          </a:stretch>
-        </p:blipFill>
-        <p:spPr>
-          <a:xfrm>
-            <a:off x="1840955" y="165783"/>
-            <a:ext cx="8453078" cy="6849161"/>
-          </a:xfrm>
-          <a:prstGeom prst="rect">
-            <a:avLst/>
-          </a:prstGeom>
-        </p:spPr>
-      </p:pic>
+      <p:sp>
+        <p:nvSpPr>
+          <p:cNvPr id="2" name="Titel 1"/>
+          <p:cNvSpPr>
+            <a:spLocks noGrp="1"/>
+          </p:cNvSpPr>
+          <p:nvPr>
+            <p:ph type="title"/>
+          </p:nvPr>
+        </p:nvSpPr>
+        <p:spPr/>
+        <p:txBody>
+          <a:bodyPr>
+            <a:normAutofit fontScale="90000"/>
+          </a:bodyPr>
+          <a:lstStyle/>
+          <a:p>
+            <a:r>
+              <a:rPr lang="nl-NL" sz="6600" b="1" dirty="0">
+                <a:solidFill>
+                  <a:srgbClr val="123869"/>
+                </a:solidFill>
+                <a:latin typeface="Calibri" charset="0"/>
+                <a:ea typeface="Calibri" charset="0"/>
+                <a:cs typeface="Calibri" charset="0"/>
+              </a:rPr>
+              <a:t>Het Python Inbraakalarm op de markt</a:t>
+            </a:r>
+          </a:p>
+        </p:txBody>
+      </p:sp>
+      <p:sp>
+        <p:nvSpPr>
+          <p:cNvPr id="3" name="Tijdelijke aanduiding voor inhoud 2"/>
+          <p:cNvSpPr>
+            <a:spLocks noGrp="1"/>
+          </p:cNvSpPr>
+          <p:nvPr>
+            <p:ph idx="1"/>
+          </p:nvPr>
+        </p:nvSpPr>
+        <p:spPr/>
+        <p:txBody>
+          <a:bodyPr numCol="1">
+            <a:normAutofit fontScale="70000" lnSpcReduction="20000"/>
+          </a:bodyPr>
+          <a:lstStyle/>
+          <a:p>
+            <a:pPr>
+              <a:lnSpc>
+                <a:spcPct val="170000"/>
+              </a:lnSpc>
+            </a:pPr>
+            <a:r>
+              <a:rPr lang="nl-NL" sz="3200" b="1" dirty="0">
+                <a:solidFill>
+                  <a:srgbClr val="123869"/>
+                </a:solidFill>
+              </a:rPr>
+              <a:t>Open Source:</a:t>
+            </a:r>
+            <a:br>
+              <a:rPr lang="nl-NL" dirty="0"/>
+            </a:br>
+            <a:r>
+              <a:rPr lang="nl-NL" dirty="0"/>
+              <a:t>Lage complexiteit en </a:t>
+            </a:r>
+            <a:r>
+              <a:rPr lang="nl-NL" dirty="0" err="1"/>
+              <a:t>prefabricated</a:t>
+            </a:r>
+            <a:r>
+              <a:rPr lang="nl-NL" dirty="0"/>
+              <a:t> oplossingen drukken productiekosten. Productie oneindig schaalbaar</a:t>
+            </a:r>
+          </a:p>
+          <a:p>
+            <a:pPr>
+              <a:lnSpc>
+                <a:spcPct val="170000"/>
+              </a:lnSpc>
+            </a:pPr>
+            <a:r>
+              <a:rPr lang="nl-NL" sz="3200" b="1" dirty="0">
+                <a:solidFill>
+                  <a:srgbClr val="123869"/>
+                </a:solidFill>
+              </a:rPr>
+              <a:t>Een platform, oneindige mogelijkheden</a:t>
+            </a:r>
+            <a:br>
+              <a:rPr lang="nl-NL" dirty="0"/>
+            </a:br>
+            <a:r>
+              <a:rPr lang="nl-NL" dirty="0" err="1"/>
+              <a:t>Raspberry</a:t>
+            </a:r>
+            <a:r>
+              <a:rPr lang="nl-NL" dirty="0"/>
+              <a:t> Pi: Een bewezen platform voor ontwikkeling en een met groeimogelijkheden</a:t>
+            </a:r>
+          </a:p>
+          <a:p>
+            <a:pPr>
+              <a:lnSpc>
+                <a:spcPct val="170000"/>
+              </a:lnSpc>
+            </a:pPr>
+            <a:r>
+              <a:rPr lang="en-GB" b="1" dirty="0" err="1">
+                <a:solidFill>
+                  <a:srgbClr val="123869"/>
+                </a:solidFill>
+              </a:rPr>
+              <a:t>Hoog</a:t>
+            </a:r>
+            <a:r>
+              <a:rPr lang="en-GB" b="1" dirty="0">
+                <a:solidFill>
+                  <a:srgbClr val="123869"/>
+                </a:solidFill>
+              </a:rPr>
+              <a:t> </a:t>
+            </a:r>
+            <a:r>
+              <a:rPr lang="en-GB" b="1" dirty="0" err="1">
+                <a:solidFill>
+                  <a:srgbClr val="123869"/>
+                </a:solidFill>
+              </a:rPr>
+              <a:t>productievolume</a:t>
+            </a:r>
+            <a:r>
+              <a:rPr lang="en-GB" b="1" dirty="0">
+                <a:solidFill>
+                  <a:srgbClr val="123869"/>
+                </a:solidFill>
+              </a:rPr>
+              <a:t>, </a:t>
+            </a:r>
+            <a:r>
+              <a:rPr lang="en-GB" b="1" dirty="0" err="1">
+                <a:solidFill>
+                  <a:srgbClr val="123869"/>
+                </a:solidFill>
+              </a:rPr>
+              <a:t>ook</a:t>
+            </a:r>
+            <a:r>
+              <a:rPr lang="en-GB" b="1" dirty="0">
+                <a:solidFill>
+                  <a:srgbClr val="123869"/>
+                </a:solidFill>
+              </a:rPr>
+              <a:t> </a:t>
+            </a:r>
+            <a:r>
+              <a:rPr lang="en-GB" b="1" dirty="0" err="1">
+                <a:solidFill>
+                  <a:srgbClr val="123869"/>
+                </a:solidFill>
+              </a:rPr>
+              <a:t>lokaal</a:t>
+            </a:r>
+            <a:endParaRPr lang="en-GB" b="1" dirty="0">
+              <a:solidFill>
+                <a:srgbClr val="123869"/>
+              </a:solidFill>
+            </a:endParaRPr>
+          </a:p>
+          <a:p>
+            <a:pPr marL="0" indent="0">
+              <a:lnSpc>
+                <a:spcPct val="170000"/>
+              </a:lnSpc>
+              <a:buNone/>
+            </a:pPr>
+            <a:r>
+              <a:rPr lang="nl-NL" dirty="0"/>
+              <a:t>    Bestaande productiemethodes worden goedkoper en voldoen nu en later aan de groeiende vraag.</a:t>
+            </a:r>
+          </a:p>
+          <a:p>
+            <a:pPr>
+              <a:lnSpc>
+                <a:spcPct val="170000"/>
+              </a:lnSpc>
+            </a:pPr>
+            <a:endParaRPr lang="en-GB" dirty="0">
+              <a:solidFill>
+                <a:srgbClr val="123869"/>
+              </a:solidFill>
+            </a:endParaRPr>
+          </a:p>
+        </p:txBody>
+      </p:sp>
     </p:spTree>
     <p:extLst>
       <p:ext uri="{BB962C8B-B14F-4D97-AF65-F5344CB8AC3E}">
-        <p14:creationId xmlns:p14="http://schemas.microsoft.com/office/powerpoint/2010/main" val="1349921070"/>
+        <p14:creationId xmlns:p14="http://schemas.microsoft.com/office/powerpoint/2010/main" val="530609785"/>
       </p:ext>
     </p:extLst>
   </p:cSld>
   <p:clrMapOvr>
     <a:masterClrMapping/>
   </p:clrMapOvr>
-  <p:timing>
-    <p:tnLst>
-      <p:par>
-        <p:cTn id="1" dur="indefinite" restart="never" nodeType="tmRoot"/>
-      </p:par>
-    </p:tnLst>
-  </p:timing>
 </p:sld>
 </file>
 
@@ -3341,7 +3464,7 @@
         </p:spPr>
         <p:txBody>
           <a:bodyPr bIns="46800">
-            <a:normAutofit fontScale="90000"/>
+            <a:normAutofit/>
           </a:bodyPr>
           <a:lstStyle/>
           <a:p>
@@ -3351,7 +3474,7 @@
               </a:lnSpc>
             </a:pPr>
             <a:r>
-              <a:rPr lang="nl-NL" sz="8000" b="1" dirty="0" smtClean="0">
+              <a:rPr lang="en-GB" sz="8000" b="1" dirty="0" err="1">
                 <a:solidFill>
                   <a:schemeClr val="bg1"/>
                 </a:solidFill>
@@ -3359,7 +3482,18 @@
                 <a:ea typeface="Calibri" charset="0"/>
                 <a:cs typeface="Calibri" charset="0"/>
               </a:rPr>
-              <a:t>Waar zijn wij tijdens het project tegen aangelopen?</a:t>
+              <a:t>Vragen</a:t>
+            </a:r>
+            <a:r>
+              <a:rPr lang="en-GB" sz="8000" b="1" dirty="0">
+                <a:solidFill>
+                  <a:schemeClr val="bg1"/>
+                </a:solidFill>
+                <a:latin typeface="Calibri" charset="0"/>
+                <a:ea typeface="Calibri" charset="0"/>
+                <a:cs typeface="Calibri" charset="0"/>
+              </a:rPr>
+              <a:t>?</a:t>
             </a:r>
             <a:endParaRPr lang="nl-NL" sz="8000" b="1" dirty="0">
               <a:solidFill>
@@ -3395,7 +3529,7 @@
         </p:blipFill>
         <p:spPr>
           <a:xfrm>
-            <a:off x="8662591" y="574480"/>
+            <a:off x="6096000" y="-412492"/>
             <a:ext cx="8529324" cy="5698014"/>
           </a:xfrm>
           <a:prstGeom prst="rect">
@@ -3437,240 +3571,13 @@
     </p:spTree>
     <p:extLst>
       <p:ext uri="{BB962C8B-B14F-4D97-AF65-F5344CB8AC3E}">
-        <p14:creationId xmlns:p14="http://schemas.microsoft.com/office/powerpoint/2010/main" val="2104809212"/>
+        <p14:creationId xmlns:p14="http://schemas.microsoft.com/office/powerpoint/2010/main" val="4225930238"/>
       </p:ext>
     </p:extLst>
   </p:cSld>
   <p:clrMapOvr>
     <a:masterClrMapping/>
   </p:clrMapOvr>
-  <p:timing>
-    <p:tnLst>
-      <p:par>
-        <p:cTn id="1" dur="indefinite" restart="never" nodeType="tmRoot"/>
-      </p:par>
-    </p:tnLst>
-  </p:timing>
-</p:sld>
-</file>
-
-<file path=ppt/slides/slide12.xml><?xml version="1.0" encoding="utf-8"?>
-<p:sld xmlns:a="http://schemas.openxmlformats.org/drawingml/2006/main" xmlns:r="http://schemas.openxmlformats.org/officeDocument/2006/relationships" xmlns:p="http://schemas.openxmlformats.org/presentationml/2006/main">
-  <p:cSld>
-    <p:spTree>
-      <p:nvGrpSpPr>
-        <p:cNvPr id="1" name=""/>
-        <p:cNvGrpSpPr/>
-        <p:nvPr/>
-      </p:nvGrpSpPr>
-      <p:grpSpPr>
-        <a:xfrm>
-          <a:off x="0" y="0"/>
-          <a:ext cx="0" cy="0"/>
-          <a:chOff x="0" y="0"/>
-          <a:chExt cx="0" cy="0"/>
-        </a:xfrm>
-      </p:grpSpPr>
-      <p:sp>
-        <p:nvSpPr>
-          <p:cNvPr id="2" name="Titel 1"/>
-          <p:cNvSpPr>
-            <a:spLocks noGrp="1"/>
-          </p:cNvSpPr>
-          <p:nvPr>
-            <p:ph type="title"/>
-          </p:nvPr>
-        </p:nvSpPr>
-        <p:spPr/>
-        <p:txBody>
-          <a:bodyPr>
-            <a:normAutofit/>
-          </a:bodyPr>
-          <a:lstStyle/>
-          <a:p>
-            <a:r>
-              <a:rPr lang="nl-NL" sz="6600" b="1" dirty="0" smtClean="0">
-                <a:solidFill>
-                  <a:srgbClr val="123869"/>
-                </a:solidFill>
-                <a:latin typeface="Calibri" charset="0"/>
-                <a:ea typeface="Calibri" charset="0"/>
-                <a:cs typeface="Calibri" charset="0"/>
-              </a:rPr>
-              <a:t>Libraries op de </a:t>
-            </a:r>
-            <a:r>
-              <a:rPr lang="nl-NL" sz="6600" b="1" dirty="0" err="1" smtClean="0">
-                <a:solidFill>
-                  <a:srgbClr val="123869"/>
-                </a:solidFill>
-                <a:latin typeface="Calibri" charset="0"/>
-                <a:ea typeface="Calibri" charset="0"/>
-                <a:cs typeface="Calibri" charset="0"/>
-              </a:rPr>
-              <a:t>RPi</a:t>
-            </a:r>
-            <a:r>
-              <a:rPr lang="nl-NL" sz="6600" b="1" dirty="0" smtClean="0">
-                <a:solidFill>
-                  <a:srgbClr val="123869"/>
-                </a:solidFill>
-                <a:latin typeface="Calibri" charset="0"/>
-                <a:ea typeface="Calibri" charset="0"/>
-                <a:cs typeface="Calibri" charset="0"/>
-              </a:rPr>
-              <a:t> </a:t>
-            </a:r>
-            <a:r>
-              <a:rPr lang="nl-NL" sz="6600" b="1" dirty="0" err="1" smtClean="0">
-                <a:solidFill>
-                  <a:srgbClr val="123869"/>
-                </a:solidFill>
-                <a:latin typeface="Calibri" charset="0"/>
-                <a:ea typeface="Calibri" charset="0"/>
-                <a:cs typeface="Calibri" charset="0"/>
-              </a:rPr>
-              <a:t>errors</a:t>
-            </a:r>
-            <a:endParaRPr lang="nl-NL" sz="6600" b="1" dirty="0">
-              <a:solidFill>
-                <a:srgbClr val="123869"/>
-              </a:solidFill>
-              <a:latin typeface="Calibri" charset="0"/>
-              <a:ea typeface="Calibri" charset="0"/>
-              <a:cs typeface="Calibri" charset="0"/>
-            </a:endParaRPr>
-          </a:p>
-        </p:txBody>
-      </p:sp>
-      <p:sp>
-        <p:nvSpPr>
-          <p:cNvPr id="3" name="Tijdelijke aanduiding voor inhoud 2"/>
-          <p:cNvSpPr>
-            <a:spLocks noGrp="1"/>
-          </p:cNvSpPr>
-          <p:nvPr>
-            <p:ph idx="1"/>
-          </p:nvPr>
-        </p:nvSpPr>
-        <p:spPr/>
-        <p:txBody>
-          <a:bodyPr numCol="1">
-            <a:normAutofit/>
-          </a:bodyPr>
-          <a:lstStyle/>
-          <a:p>
-            <a:pPr>
-              <a:lnSpc>
-                <a:spcPct val="170000"/>
-              </a:lnSpc>
-            </a:pPr>
-            <a:r>
-              <a:rPr lang="nl-NL" sz="3200" b="1" dirty="0" err="1" smtClean="0">
-                <a:solidFill>
-                  <a:srgbClr val="123869"/>
-                </a:solidFill>
-              </a:rPr>
-              <a:t>FireBase</a:t>
-            </a:r>
-            <a:r>
-              <a:rPr lang="nl-NL" sz="3200" b="1" dirty="0" smtClean="0">
-                <a:solidFill>
-                  <a:srgbClr val="123869"/>
-                </a:solidFill>
-              </a:rPr>
-              <a:t>:</a:t>
-            </a:r>
-            <a:r>
-              <a:rPr lang="nl-NL" dirty="0" smtClean="0"/>
-              <a:t/>
-            </a:r>
-            <a:br>
-              <a:rPr lang="nl-NL" dirty="0" smtClean="0"/>
-            </a:br>
-            <a:r>
-              <a:rPr lang="nl-NL" dirty="0" smtClean="0"/>
-              <a:t>We wilden graag </a:t>
-            </a:r>
-            <a:r>
-              <a:rPr lang="nl-NL" dirty="0" err="1" smtClean="0"/>
-              <a:t>FireBase</a:t>
-            </a:r>
-            <a:r>
-              <a:rPr lang="nl-NL" dirty="0" smtClean="0"/>
-              <a:t> gebruiken, dat wilden niet omdat een van de </a:t>
-            </a:r>
-            <a:r>
-              <a:rPr lang="nl-NL" dirty="0" err="1" smtClean="0"/>
-              <a:t>dependency</a:t>
-            </a:r>
-            <a:r>
-              <a:rPr lang="nl-NL" dirty="0" smtClean="0"/>
-              <a:t> </a:t>
-            </a:r>
-            <a:r>
-              <a:rPr lang="nl-NL" dirty="0" err="1" smtClean="0"/>
-              <a:t>libraries</a:t>
-            </a:r>
-            <a:r>
-              <a:rPr lang="nl-NL" dirty="0" smtClean="0"/>
-              <a:t> een error gaf tijdens het installeren.</a:t>
-            </a:r>
-          </a:p>
-          <a:p>
-            <a:pPr>
-              <a:lnSpc>
-                <a:spcPct val="170000"/>
-              </a:lnSpc>
-            </a:pPr>
-            <a:r>
-              <a:rPr lang="nl-NL" sz="3200" b="1" dirty="0" err="1" smtClean="0">
-                <a:solidFill>
-                  <a:srgbClr val="123869"/>
-                </a:solidFill>
-              </a:rPr>
-              <a:t>Twilio</a:t>
-            </a:r>
-            <a:r>
-              <a:rPr lang="nl-NL" sz="3200" b="1" dirty="0" smtClean="0">
-                <a:solidFill>
-                  <a:srgbClr val="123869"/>
-                </a:solidFill>
-              </a:rPr>
-              <a:t>:</a:t>
-            </a:r>
-            <a:r>
-              <a:rPr lang="nl-NL" dirty="0" smtClean="0"/>
-              <a:t/>
-            </a:r>
-            <a:br>
-              <a:rPr lang="nl-NL" dirty="0" smtClean="0"/>
-            </a:br>
-            <a:r>
-              <a:rPr lang="nl-NL" dirty="0" smtClean="0"/>
-              <a:t>j</a:t>
-            </a:r>
-            <a:endParaRPr lang="nl-NL" dirty="0"/>
-          </a:p>
-        </p:txBody>
-      </p:sp>
-    </p:spTree>
-    <p:extLst>
-      <p:ext uri="{BB962C8B-B14F-4D97-AF65-F5344CB8AC3E}">
-        <p14:creationId xmlns:p14="http://schemas.microsoft.com/office/powerpoint/2010/main" val="530609785"/>
-      </p:ext>
-    </p:extLst>
-  </p:cSld>
-  <p:clrMapOvr>
-    <a:masterClrMapping/>
-  </p:clrMapOvr>
-  <p:timing>
-    <p:tnLst>
-      <p:par>
-        <p:cTn id="1" dur="indefinite" restart="never" nodeType="tmRoot"/>
-      </p:par>
-    </p:tnLst>
-  </p:timing>
 </p:sld>
 </file>
 
@@ -3709,7 +3616,7 @@
           <a:lstStyle/>
           <a:p>
             <a:r>
-              <a:rPr lang="nl-NL" sz="6600" b="1" dirty="0" smtClean="0">
+              <a:rPr lang="nl-NL" sz="6600" b="1" dirty="0">
                 <a:solidFill>
                   <a:srgbClr val="123869"/>
                 </a:solidFill>
@@ -3719,14 +3626,6 @@
               </a:rPr>
               <a:t>Inhoud presentatie</a:t>
             </a:r>
-            <a:endParaRPr lang="nl-NL" sz="6600" b="1" dirty="0">
-              <a:solidFill>
-                <a:srgbClr val="123869"/>
-              </a:solidFill>
-              <a:latin typeface="Calibri" charset="0"/>
-              <a:ea typeface="Calibri" charset="0"/>
-              <a:cs typeface="Calibri" charset="0"/>
-            </a:endParaRPr>
           </a:p>
         </p:txBody>
       </p:sp>
@@ -3753,9 +3652,18 @@
               </a:lnSpc>
             </a:pPr>
             <a:r>
-              <a:rPr lang="nl-NL" dirty="0" smtClean="0"/>
-              <a:t>Hoe zijn wij met het project begonnen?</a:t>
-            </a:r>
+              <a:rPr lang="en-GB" dirty="0" err="1"/>
+              <a:t>Onze</a:t>
+            </a:r>
+            <a:r>
+              <a:rPr lang="en-GB" dirty="0"/>
+              <a:t> </a:t>
+            </a:r>
+            <a:r>
+              <a:rPr lang="en-GB" dirty="0" err="1"/>
+              <a:t>missie</a:t>
+            </a:r>
+            <a:endParaRPr lang="en-GB" dirty="0"/>
           </a:p>
           <a:p>
             <a:pPr>
@@ -3764,9 +3672,14 @@
               </a:lnSpc>
             </a:pPr>
             <a:r>
-              <a:rPr lang="nl-NL" dirty="0" smtClean="0"/>
-              <a:t>Hoe hebben wij het project aangepakt?</a:t>
-            </a:r>
+              <a:rPr lang="en-GB" dirty="0"/>
+              <a:t>Het Python </a:t>
+            </a:r>
+            <a:r>
+              <a:rPr lang="en-GB" dirty="0" err="1"/>
+              <a:t>Inbraakalarm</a:t>
+            </a:r>
+            <a:endParaRPr lang="en-GB" dirty="0"/>
           </a:p>
           <a:p>
             <a:pPr>
@@ -3775,9 +3688,22 @@
               </a:lnSpc>
             </a:pPr>
             <a:r>
-              <a:rPr lang="nl-NL" dirty="0" smtClean="0"/>
-              <a:t>Waar zijn wij tijdens het project tegen aangelopen?</a:t>
-            </a:r>
+              <a:rPr lang="en-GB" dirty="0"/>
+              <a:t>De </a:t>
+            </a:r>
+            <a:r>
+              <a:rPr lang="en-GB" dirty="0" err="1"/>
+              <a:t>voordelen</a:t>
+            </a:r>
+            <a:r>
+              <a:rPr lang="en-GB" dirty="0"/>
+              <a:t> van het Python </a:t>
+            </a:r>
+            <a:r>
+              <a:rPr lang="en-GB" dirty="0" err="1"/>
+              <a:t>Inbraakalarm</a:t>
+            </a:r>
+            <a:endParaRPr lang="en-GB" dirty="0"/>
           </a:p>
           <a:p>
             <a:pPr>
@@ -3786,9 +3712,22 @@
               </a:lnSpc>
             </a:pPr>
             <a:r>
-              <a:rPr lang="nl-NL" dirty="0" smtClean="0"/>
-              <a:t>Wat hebben wij uiteindelijk gebouwd? En hoe?</a:t>
-            </a:r>
+              <a:rPr lang="en-GB" dirty="0"/>
+              <a:t>Het Python </a:t>
+            </a:r>
+            <a:r>
+              <a:rPr lang="en-GB" dirty="0" err="1"/>
+              <a:t>Inbraakalarm</a:t>
+            </a:r>
+            <a:r>
+              <a:rPr lang="en-GB" dirty="0"/>
+              <a:t> in de </a:t>
+            </a:r>
+            <a:r>
+              <a:rPr lang="en-GB" dirty="0" err="1"/>
+              <a:t>markt</a:t>
+            </a:r>
+            <a:endParaRPr lang="en-GB" dirty="0"/>
           </a:p>
           <a:p>
             <a:pPr>
@@ -3797,8 +3736,8 @@
               </a:lnSpc>
             </a:pPr>
             <a:r>
-              <a:rPr lang="nl-NL" dirty="0" smtClean="0"/>
-              <a:t>Demo van het systeem</a:t>
+              <a:rPr lang="en-GB" dirty="0" err="1"/>
+              <a:t>Vragen</a:t>
             </a:r>
             <a:endParaRPr lang="nl-NL" dirty="0"/>
           </a:p>
@@ -4093,13 +4032,6 @@
   <p:clrMapOvr>
     <a:masterClrMapping/>
   </p:clrMapOvr>
-  <p:timing>
-    <p:tnLst>
-      <p:par>
-        <p:cTn id="1" dur="indefinite" restart="never" nodeType="tmRoot"/>
-      </p:par>
-    </p:tnLst>
-  </p:timing>
 </p:sld>
 </file>
 
@@ -4156,7 +4088,7 @@
               </a:lnSpc>
             </a:pPr>
             <a:r>
-              <a:rPr lang="nl-NL" sz="8000" b="1" dirty="0" smtClean="0">
+              <a:rPr lang="nl-NL" sz="8000" b="1" dirty="0">
                 <a:solidFill>
                   <a:schemeClr val="bg1"/>
                 </a:solidFill>
@@ -4164,16 +4096,8 @@
                 <a:ea typeface="Calibri" charset="0"/>
                 <a:cs typeface="Calibri" charset="0"/>
               </a:rPr>
-              <a:t>Hoe zijn wij met het project begonnen?</a:t>
-            </a:r>
-            <a:endParaRPr lang="nl-NL" sz="8000" b="1" dirty="0">
-              <a:solidFill>
-                <a:schemeClr val="bg1"/>
-              </a:solidFill>
-              <a:latin typeface="Calibri" charset="0"/>
-              <a:ea typeface="Calibri" charset="0"/>
-              <a:cs typeface="Calibri" charset="0"/>
-            </a:endParaRPr>
+              <a:t>Onze missie</a:t>
+            </a:r>
           </a:p>
         </p:txBody>
       </p:sp>
@@ -4249,13 +4173,6 @@
   <p:clrMapOvr>
     <a:masterClrMapping/>
   </p:clrMapOvr>
-  <p:timing>
-    <p:tnLst>
-      <p:par>
-        <p:cTn id="1" dur="indefinite" restart="never" nodeType="tmRoot"/>
-      </p:par>
-    </p:tnLst>
-  </p:timing>
 </p:sld>
 </file>
 
@@ -4276,143 +4193,9 @@
           <a:chExt cx="0" cy="0"/>
         </a:xfrm>
       </p:grpSpPr>
-      <p:pic>
-        <p:nvPicPr>
-          <p:cNvPr id="4" name="Afbeelding 3"/>
-          <p:cNvPicPr>
-            <a:picLocks noChangeAspect="1"/>
-          </p:cNvPicPr>
-          <p:nvPr/>
-        </p:nvPicPr>
-        <p:blipFill>
-          <a:blip r:embed="rId2">
-            <a:extLst>
-              <a:ext uri="{28A0092B-C50C-407E-A947-70E740481C1C}">
-                <a14:useLocalDpi xmlns:a14="http://schemas.microsoft.com/office/drawing/2010/main" val="0"/>
-              </a:ext>
-            </a:extLst>
-          </a:blip>
-          <a:stretch>
-            <a:fillRect/>
-          </a:stretch>
-        </p:blipFill>
-        <p:spPr>
-          <a:xfrm>
-            <a:off x="671606" y="147917"/>
-            <a:ext cx="10791777" cy="6858000"/>
-          </a:xfrm>
-          <a:prstGeom prst="rect">
-            <a:avLst/>
-          </a:prstGeom>
-        </p:spPr>
-      </p:pic>
-    </p:spTree>
-    <p:extLst>
-      <p:ext uri="{BB962C8B-B14F-4D97-AF65-F5344CB8AC3E}">
-        <p14:creationId xmlns:p14="http://schemas.microsoft.com/office/powerpoint/2010/main" val="1258890419"/>
-      </p:ext>
-    </p:extLst>
-  </p:cSld>
-  <p:clrMapOvr>
-    <a:masterClrMapping/>
-  </p:clrMapOvr>
-  <p:timing>
-    <p:tnLst>
-      <p:par>
-        <p:cTn id="1" dur="indefinite" restart="never" nodeType="tmRoot"/>
-      </p:par>
-    </p:tnLst>
-  </p:timing>
-</p:sld>
-</file>
-
-<file path=ppt/slides/slide5.xml><?xml version="1.0" encoding="utf-8"?>
-<p:sld xmlns:a="http://schemas.openxmlformats.org/drawingml/2006/main" xmlns:r="http://schemas.openxmlformats.org/officeDocument/2006/relationships" xmlns:p="http://schemas.openxmlformats.org/presentationml/2006/main">
-  <p:cSld>
-    <p:spTree>
-      <p:nvGrpSpPr>
-        <p:cNvPr id="1" name=""/>
-        <p:cNvGrpSpPr/>
-        <p:nvPr/>
-      </p:nvGrpSpPr>
-      <p:grpSpPr>
-        <a:xfrm>
-          <a:off x="0" y="0"/>
-          <a:ext cx="0" cy="0"/>
-          <a:chOff x="0" y="0"/>
-          <a:chExt cx="0" cy="0"/>
-        </a:xfrm>
-      </p:grpSpPr>
-      <p:pic>
-        <p:nvPicPr>
-          <p:cNvPr id="4" name="Afbeelding 3"/>
-          <p:cNvPicPr>
-            <a:picLocks noChangeAspect="1"/>
-          </p:cNvPicPr>
-          <p:nvPr/>
-        </p:nvPicPr>
-        <p:blipFill>
-          <a:blip r:embed="rId2">
-            <a:extLst>
-              <a:ext uri="{28A0092B-C50C-407E-A947-70E740481C1C}">
-                <a14:useLocalDpi xmlns:a14="http://schemas.microsoft.com/office/drawing/2010/main" val="0"/>
-              </a:ext>
-            </a:extLst>
-          </a:blip>
-          <a:stretch>
-            <a:fillRect/>
-          </a:stretch>
-        </p:blipFill>
-        <p:spPr>
-          <a:xfrm>
-            <a:off x="671606" y="147917"/>
-            <a:ext cx="10791776" cy="6858000"/>
-          </a:xfrm>
-          <a:prstGeom prst="rect">
-            <a:avLst/>
-          </a:prstGeom>
-        </p:spPr>
-      </p:pic>
-    </p:spTree>
-    <p:extLst>
-      <p:ext uri="{BB962C8B-B14F-4D97-AF65-F5344CB8AC3E}">
-        <p14:creationId xmlns:p14="http://schemas.microsoft.com/office/powerpoint/2010/main" val="1278564720"/>
-      </p:ext>
-    </p:extLst>
-  </p:cSld>
-  <p:clrMapOvr>
-    <a:masterClrMapping/>
-  </p:clrMapOvr>
-  <p:timing>
-    <p:tnLst>
-      <p:par>
-        <p:cTn id="1" dur="indefinite" restart="never" nodeType="tmRoot"/>
-      </p:par>
-    </p:tnLst>
-  </p:timing>
-</p:sld>
-</file>
-
-<file path=ppt/slides/slide6.xml><?xml version="1.0" encoding="utf-8"?>
-<p:sld xmlns:a="http://schemas.openxmlformats.org/drawingml/2006/main" xmlns:r="http://schemas.openxmlformats.org/officeDocument/2006/relationships" xmlns:p="http://schemas.openxmlformats.org/presentationml/2006/main">
-  <p:cSld>
-    <p:spTree>
-      <p:nvGrpSpPr>
-        <p:cNvPr id="1" name=""/>
-        <p:cNvGrpSpPr/>
-        <p:nvPr/>
-      </p:nvGrpSpPr>
-      <p:grpSpPr>
-        <a:xfrm>
-          <a:off x="0" y="0"/>
-          <a:ext cx="0" cy="0"/>
-          <a:chOff x="0" y="0"/>
-          <a:chExt cx="0" cy="0"/>
-        </a:xfrm>
-      </p:grpSpPr>
-      <p:sp>
-        <p:nvSpPr>
-          <p:cNvPr id="2" name="Titel 1"/>
+      <p:sp>
+        <p:nvSpPr>
+          <p:cNvPr id="2" name="Title 1"/>
           <p:cNvSpPr>
             <a:spLocks noGrp="1"/>
           </p:cNvSpPr>
@@ -4422,13 +4205,12 @@
         </p:nvSpPr>
         <p:spPr/>
         <p:txBody>
-          <a:bodyPr>
-            <a:normAutofit fontScale="90000"/>
-          </a:bodyPr>
-          <a:lstStyle/>
-          <a:p>
-            <a:r>
-              <a:rPr lang="nl-NL" sz="6600" b="1" dirty="0" smtClean="0">
+          <a:bodyPr/>
+          <a:lstStyle/>
+          <a:p>
+            <a:pPr algn="ctr"/>
+            <a:r>
+              <a:rPr lang="nl-NL" b="1" dirty="0">
                 <a:solidFill>
                   <a:srgbClr val="123869"/>
                 </a:solidFill>
@@ -4436,22 +4218,15 @@
                 <a:ea typeface="Calibri" charset="0"/>
                 <a:cs typeface="Calibri" charset="0"/>
               </a:rPr>
-              <a:t>Elke dag twee keer overleggen</a:t>
-            </a:r>
-            <a:endParaRPr lang="nl-NL" sz="6600" b="1" dirty="0">
-              <a:solidFill>
-                <a:srgbClr val="123869"/>
-              </a:solidFill>
-              <a:latin typeface="Calibri" charset="0"/>
-              <a:ea typeface="Calibri" charset="0"/>
-              <a:cs typeface="Calibri" charset="0"/>
-            </a:endParaRPr>
-          </a:p>
-        </p:txBody>
-      </p:sp>
-      <p:sp>
-        <p:nvSpPr>
-          <p:cNvPr id="3" name="Tijdelijke aanduiding voor inhoud 2"/>
+              <a:t>Onze missie	</a:t>
+            </a:r>
+            <a:endParaRPr lang="nl-NL" dirty="0"/>
+          </a:p>
+        </p:txBody>
+      </p:sp>
+      <p:sp>
+        <p:nvSpPr>
+          <p:cNvPr id="3" name="Content Placeholder 2"/>
           <p:cNvSpPr>
             <a:spLocks noGrp="1"/>
           </p:cNvSpPr>
@@ -4461,64 +4236,66 @@
         </p:nvSpPr>
         <p:spPr/>
         <p:txBody>
-          <a:bodyPr numCol="2">
-            <a:normAutofit/>
-          </a:bodyPr>
-          <a:lstStyle/>
-          <a:p>
-            <a:pPr>
-              <a:lnSpc>
-                <a:spcPct val="170000"/>
-              </a:lnSpc>
-            </a:pPr>
-            <a:r>
-              <a:rPr lang="nl-NL" sz="3200" b="1" dirty="0" smtClean="0">
-                <a:solidFill>
-                  <a:srgbClr val="123869"/>
-                </a:solidFill>
-              </a:rPr>
-              <a:t>Begin:</a:t>
-            </a:r>
-            <a:r>
-              <a:rPr lang="nl-NL" dirty="0" smtClean="0"/>
-              <a:t/>
-            </a:r>
-            <a:br>
-              <a:rPr lang="nl-NL" dirty="0" smtClean="0"/>
-            </a:br>
-            <a:r>
-              <a:rPr lang="nl-NL" dirty="0" smtClean="0"/>
-              <a:t>Wie gaat wat vandaag doen? En wie heb je daarbij nodig? Hoelang denk je daarmee bezig te zijn?</a:t>
-            </a:r>
-            <a:br>
-              <a:rPr lang="nl-NL" dirty="0" smtClean="0"/>
-            </a:br>
-            <a:endParaRPr lang="nl-NL" dirty="0" smtClean="0"/>
-          </a:p>
-          <a:p>
-            <a:pPr>
-              <a:lnSpc>
-                <a:spcPct val="170000"/>
-              </a:lnSpc>
-            </a:pPr>
-            <a:r>
-              <a:rPr lang="nl-NL" sz="3200" b="1" dirty="0" smtClean="0">
-                <a:solidFill>
-                  <a:srgbClr val="123869"/>
-                </a:solidFill>
-              </a:rPr>
-              <a:t>Eind:</a:t>
-            </a:r>
-            <a:r>
-              <a:rPr lang="nl-NL" dirty="0" smtClean="0"/>
-              <a:t/>
-            </a:r>
-            <a:br>
-              <a:rPr lang="nl-NL" dirty="0" smtClean="0"/>
-            </a:br>
-            <a:r>
-              <a:rPr lang="nl-NL" dirty="0" smtClean="0"/>
-              <a:t>Hoe is het vandaag gegaan? Is het gelukt met wat je wilde doen of heb je daar nog meer tijd voor nodig?</a:t>
+          <a:bodyPr/>
+          <a:lstStyle/>
+          <a:p>
+            <a:r>
+              <a:rPr lang="en-GB" dirty="0"/>
+              <a:t>‘Peace of mind’ </a:t>
+            </a:r>
+            <a:r>
+              <a:rPr lang="en-GB" dirty="0" err="1"/>
+              <a:t>bieden</a:t>
+            </a:r>
+            <a:r>
+              <a:rPr lang="en-GB" dirty="0"/>
+              <a:t> </a:t>
+            </a:r>
+            <a:r>
+              <a:rPr lang="en-GB" dirty="0" err="1"/>
+              <a:t>middels</a:t>
+            </a:r>
+            <a:r>
+              <a:rPr lang="en-GB" dirty="0"/>
+              <a:t> modern</a:t>
+            </a:r>
+            <a:r>
+              <a:rPr lang="nl-NL" dirty="0"/>
+              <a:t>e, betaalbare beveiligingsoplossingen</a:t>
+            </a:r>
+          </a:p>
+          <a:p>
+            <a:r>
+              <a:rPr lang="en-GB" dirty="0" err="1"/>
+              <a:t>Een</a:t>
+            </a:r>
+            <a:r>
+              <a:rPr lang="en-GB" dirty="0"/>
+              <a:t> </a:t>
+            </a:r>
+            <a:r>
+              <a:rPr lang="en-GB" dirty="0" err="1"/>
+              <a:t>revolutie</a:t>
+            </a:r>
+            <a:r>
+              <a:rPr lang="en-GB" dirty="0"/>
+              <a:t> </a:t>
+            </a:r>
+            <a:r>
+              <a:rPr lang="en-GB" dirty="0" err="1"/>
+              <a:t>starten</a:t>
+            </a:r>
+            <a:r>
+              <a:rPr lang="en-GB" dirty="0"/>
+              <a:t> met het Python </a:t>
+            </a:r>
+            <a:r>
+              <a:rPr lang="en-GB" dirty="0" err="1"/>
+              <a:t>inbraakalarm</a:t>
+            </a:r>
+            <a:r>
+              <a:rPr lang="en-GB" dirty="0"/>
+              <a:t>.</a:t>
             </a:r>
             <a:endParaRPr lang="nl-NL" dirty="0"/>
           </a:p>
@@ -4527,24 +4304,17 @@
     </p:spTree>
     <p:extLst>
       <p:ext uri="{BB962C8B-B14F-4D97-AF65-F5344CB8AC3E}">
-        <p14:creationId xmlns:p14="http://schemas.microsoft.com/office/powerpoint/2010/main" val="435514931"/>
+        <p14:creationId xmlns:p14="http://schemas.microsoft.com/office/powerpoint/2010/main" val="3060402288"/>
       </p:ext>
     </p:extLst>
   </p:cSld>
   <p:clrMapOvr>
     <a:masterClrMapping/>
   </p:clrMapOvr>
-  <p:timing>
-    <p:tnLst>
-      <p:par>
-        <p:cTn id="1" dur="indefinite" restart="never" nodeType="tmRoot"/>
-      </p:par>
-    </p:tnLst>
-  </p:timing>
 </p:sld>
 </file>
 
-<file path=ppt/slides/slide7.xml><?xml version="1.0" encoding="utf-8"?>
+<file path=ppt/slides/slide5.xml><?xml version="1.0" encoding="utf-8"?>
 <p:sld xmlns:a="http://schemas.openxmlformats.org/drawingml/2006/main" xmlns:r="http://schemas.openxmlformats.org/officeDocument/2006/relationships" xmlns:p="http://schemas.openxmlformats.org/presentationml/2006/main">
   <p:cSld>
     <p:bg>
@@ -4597,7 +4367,7 @@
               </a:lnSpc>
             </a:pPr>
             <a:r>
-              <a:rPr lang="nl-NL" sz="8000" b="1" dirty="0" smtClean="0">
+              <a:rPr lang="en-GB" sz="8000" b="1" dirty="0">
                 <a:solidFill>
                   <a:schemeClr val="bg1"/>
                 </a:solidFill>
@@ -4605,7 +4375,18 @@
                 <a:ea typeface="Calibri" charset="0"/>
                 <a:cs typeface="Calibri" charset="0"/>
               </a:rPr>
-              <a:t>TIJD VOOR DE DEMOOOOO!</a:t>
+              <a:t>Het Python </a:t>
+            </a:r>
+            <a:r>
+              <a:rPr lang="en-GB" sz="8000" b="1" dirty="0" err="1">
+                <a:solidFill>
+                  <a:schemeClr val="bg1"/>
+                </a:solidFill>
+                <a:latin typeface="Calibri" charset="0"/>
+                <a:ea typeface="Calibri" charset="0"/>
+                <a:cs typeface="Calibri" charset="0"/>
+              </a:rPr>
+              <a:t>Inbraakalarm</a:t>
             </a:r>
             <a:endParaRPr lang="nl-NL" sz="8000" b="1" dirty="0">
               <a:solidFill>
@@ -4690,13 +4471,361 @@
   <p:clrMapOvr>
     <a:masterClrMapping/>
   </p:clrMapOvr>
-  <p:timing>
-    <p:tnLst>
-      <p:par>
-        <p:cTn id="1" dur="indefinite" restart="never" nodeType="tmRoot"/>
-      </p:par>
-    </p:tnLst>
-  </p:timing>
+</p:sld>
+</file>
+
+<file path=ppt/slides/slide6.xml><?xml version="1.0" encoding="utf-8"?>
+<p:sld xmlns:a="http://schemas.openxmlformats.org/drawingml/2006/main" xmlns:r="http://schemas.openxmlformats.org/officeDocument/2006/relationships" xmlns:p="http://schemas.openxmlformats.org/presentationml/2006/main">
+  <p:cSld>
+    <p:spTree>
+      <p:nvGrpSpPr>
+        <p:cNvPr id="1" name=""/>
+        <p:cNvGrpSpPr/>
+        <p:nvPr/>
+      </p:nvGrpSpPr>
+      <p:grpSpPr>
+        <a:xfrm>
+          <a:off x="0" y="0"/>
+          <a:ext cx="0" cy="0"/>
+          <a:chOff x="0" y="0"/>
+          <a:chExt cx="0" cy="0"/>
+        </a:xfrm>
+      </p:grpSpPr>
+      <p:sp>
+        <p:nvSpPr>
+          <p:cNvPr id="2" name="Titel 1"/>
+          <p:cNvSpPr>
+            <a:spLocks noGrp="1"/>
+          </p:cNvSpPr>
+          <p:nvPr>
+            <p:ph type="title"/>
+          </p:nvPr>
+        </p:nvSpPr>
+        <p:spPr/>
+        <p:txBody>
+          <a:bodyPr>
+            <a:normAutofit/>
+          </a:bodyPr>
+          <a:lstStyle/>
+          <a:p>
+            <a:r>
+              <a:rPr lang="nl-NL" sz="6600" b="1" dirty="0">
+                <a:solidFill>
+                  <a:srgbClr val="123869"/>
+                </a:solidFill>
+                <a:latin typeface="Calibri" charset="0"/>
+                <a:ea typeface="Calibri" charset="0"/>
+                <a:cs typeface="Calibri" charset="0"/>
+              </a:rPr>
+              <a:t>Het Python Inbraakalarm</a:t>
+            </a:r>
+          </a:p>
+        </p:txBody>
+      </p:sp>
+      <p:sp>
+        <p:nvSpPr>
+          <p:cNvPr id="3" name="Tijdelijke aanduiding voor inhoud 2"/>
+          <p:cNvSpPr>
+            <a:spLocks noGrp="1"/>
+          </p:cNvSpPr>
+          <p:nvPr>
+            <p:ph idx="1"/>
+          </p:nvPr>
+        </p:nvSpPr>
+        <p:spPr/>
+        <p:txBody>
+          <a:bodyPr numCol="2">
+            <a:normAutofit lnSpcReduction="10000"/>
+          </a:bodyPr>
+          <a:lstStyle/>
+          <a:p>
+            <a:pPr>
+              <a:lnSpc>
+                <a:spcPct val="170000"/>
+              </a:lnSpc>
+            </a:pPr>
+            <a:r>
+              <a:rPr lang="nl-NL" sz="3200" b="1" dirty="0">
+                <a:solidFill>
+                  <a:srgbClr val="123869"/>
+                </a:solidFill>
+              </a:rPr>
+              <a:t>Software:</a:t>
+            </a:r>
+            <a:br>
+              <a:rPr lang="nl-NL" dirty="0"/>
+            </a:br>
+            <a:r>
+              <a:rPr lang="nl-NL" dirty="0"/>
+              <a:t>Open Source</a:t>
+            </a:r>
+            <a:br>
+              <a:rPr lang="nl-NL" dirty="0"/>
+            </a:br>
+            <a:r>
+              <a:rPr lang="nl-NL" dirty="0"/>
+              <a:t>Installatie zonder gedoe</a:t>
+            </a:r>
+            <a:br>
+              <a:rPr lang="nl-NL" dirty="0"/>
+            </a:br>
+            <a:r>
+              <a:rPr lang="nl-NL" dirty="0"/>
+              <a:t>Snel en simpel aanpasbaar</a:t>
+            </a:r>
+            <a:br>
+              <a:rPr lang="nl-NL" dirty="0"/>
+            </a:br>
+            <a:br>
+              <a:rPr lang="nl-NL" dirty="0"/>
+            </a:br>
+            <a:endParaRPr lang="nl-NL" dirty="0"/>
+          </a:p>
+          <a:p>
+            <a:pPr>
+              <a:lnSpc>
+                <a:spcPct val="170000"/>
+              </a:lnSpc>
+            </a:pPr>
+            <a:r>
+              <a:rPr lang="nl-NL" sz="3200" b="1" dirty="0">
+                <a:solidFill>
+                  <a:srgbClr val="123869"/>
+                </a:solidFill>
+              </a:rPr>
+              <a:t>Hardware:</a:t>
+            </a:r>
+            <a:br>
+              <a:rPr lang="nl-NL" dirty="0"/>
+            </a:br>
+            <a:r>
+              <a:rPr lang="nl-NL" dirty="0"/>
+              <a:t>Lage kosten door bulk componenten</a:t>
+            </a:r>
+            <a:br>
+              <a:rPr lang="nl-NL" dirty="0"/>
+            </a:br>
+            <a:r>
+              <a:rPr lang="nl-NL" dirty="0"/>
+              <a:t>Intuïtieve interface</a:t>
+            </a:r>
+            <a:br>
+              <a:rPr lang="nl-NL" dirty="0"/>
+            </a:br>
+            <a:r>
+              <a:rPr lang="nl-NL" dirty="0"/>
+              <a:t>Bewezen betrouwbaarheid</a:t>
+            </a:r>
+            <a:br>
+              <a:rPr lang="nl-NL" dirty="0"/>
+            </a:br>
+            <a:endParaRPr lang="nl-NL" dirty="0"/>
+          </a:p>
+        </p:txBody>
+      </p:sp>
+    </p:spTree>
+    <p:extLst>
+      <p:ext uri="{BB962C8B-B14F-4D97-AF65-F5344CB8AC3E}">
+        <p14:creationId xmlns:p14="http://schemas.microsoft.com/office/powerpoint/2010/main" val="435514931"/>
+      </p:ext>
+    </p:extLst>
+  </p:cSld>
+  <p:clrMapOvr>
+    <a:masterClrMapping/>
+  </p:clrMapOvr>
+</p:sld>
+</file>
+
+<file path=ppt/slides/slide7.xml><?xml version="1.0" encoding="utf-8"?>
+<p:sld xmlns:a="http://schemas.openxmlformats.org/drawingml/2006/main" xmlns:r="http://schemas.openxmlformats.org/officeDocument/2006/relationships" xmlns:p="http://schemas.openxmlformats.org/presentationml/2006/main">
+  <p:cSld>
+    <p:bg>
+      <p:bgPr>
+        <a:solidFill>
+          <a:srgbClr val="123869"/>
+        </a:solidFill>
+        <a:effectLst/>
+      </p:bgPr>
+    </p:bg>
+    <p:spTree>
+      <p:nvGrpSpPr>
+        <p:cNvPr id="1" name=""/>
+        <p:cNvGrpSpPr/>
+        <p:nvPr/>
+      </p:nvGrpSpPr>
+      <p:grpSpPr>
+        <a:xfrm>
+          <a:off x="0" y="0"/>
+          <a:ext cx="0" cy="0"/>
+          <a:chOff x="0" y="0"/>
+          <a:chExt cx="0" cy="0"/>
+        </a:xfrm>
+      </p:grpSpPr>
+      <p:sp>
+        <p:nvSpPr>
+          <p:cNvPr id="2" name="Titel 1"/>
+          <p:cNvSpPr>
+            <a:spLocks noGrp="1"/>
+          </p:cNvSpPr>
+          <p:nvPr>
+            <p:ph type="ctrTitle"/>
+          </p:nvPr>
+        </p:nvSpPr>
+        <p:spPr>
+          <a:xfrm>
+            <a:off x="1524000" y="2565862"/>
+            <a:ext cx="9144000" cy="2387600"/>
+          </a:xfrm>
+        </p:spPr>
+        <p:txBody>
+          <a:bodyPr bIns="46800">
+            <a:normAutofit/>
+          </a:bodyPr>
+          <a:lstStyle/>
+          <a:p>
+            <a:pPr>
+              <a:lnSpc>
+                <a:spcPct val="80000"/>
+              </a:lnSpc>
+            </a:pPr>
+            <a:r>
+              <a:rPr lang="en-GB" sz="8000" b="1" dirty="0">
+                <a:solidFill>
+                  <a:schemeClr val="bg1"/>
+                </a:solidFill>
+                <a:latin typeface="Calibri" charset="0"/>
+                <a:ea typeface="Calibri" charset="0"/>
+                <a:cs typeface="Calibri" charset="0"/>
+              </a:rPr>
+              <a:t>Wat </a:t>
+            </a:r>
+            <a:r>
+              <a:rPr lang="en-GB" sz="8000" b="1" dirty="0" err="1">
+                <a:solidFill>
+                  <a:schemeClr val="bg1"/>
+                </a:solidFill>
+                <a:latin typeface="Calibri" charset="0"/>
+                <a:ea typeface="Calibri" charset="0"/>
+                <a:cs typeface="Calibri" charset="0"/>
+              </a:rPr>
+              <a:t>zijn</a:t>
+            </a:r>
+            <a:r>
+              <a:rPr lang="en-GB" sz="8000" b="1" dirty="0">
+                <a:solidFill>
+                  <a:schemeClr val="bg1"/>
+                </a:solidFill>
+                <a:latin typeface="Calibri" charset="0"/>
+                <a:ea typeface="Calibri" charset="0"/>
+                <a:cs typeface="Calibri" charset="0"/>
+              </a:rPr>
+              <a:t> de </a:t>
+            </a:r>
+            <a:r>
+              <a:rPr lang="en-GB" sz="8000" b="1" dirty="0" err="1">
+                <a:solidFill>
+                  <a:schemeClr val="bg1"/>
+                </a:solidFill>
+                <a:latin typeface="Calibri" charset="0"/>
+                <a:ea typeface="Calibri" charset="0"/>
+                <a:cs typeface="Calibri" charset="0"/>
+              </a:rPr>
+              <a:t>voordelen</a:t>
+            </a:r>
+            <a:r>
+              <a:rPr lang="en-GB" sz="8000" b="1" dirty="0">
+                <a:solidFill>
+                  <a:schemeClr val="bg1"/>
+                </a:solidFill>
+                <a:latin typeface="Calibri" charset="0"/>
+                <a:ea typeface="Calibri" charset="0"/>
+                <a:cs typeface="Calibri" charset="0"/>
+              </a:rPr>
+              <a:t>?</a:t>
+            </a:r>
+            <a:endParaRPr lang="nl-NL" sz="8000" b="1" dirty="0">
+              <a:solidFill>
+                <a:schemeClr val="bg1"/>
+              </a:solidFill>
+              <a:latin typeface="Calibri" charset="0"/>
+              <a:ea typeface="Calibri" charset="0"/>
+              <a:cs typeface="Calibri" charset="0"/>
+            </a:endParaRPr>
+          </a:p>
+        </p:txBody>
+      </p:sp>
+      <p:pic>
+        <p:nvPicPr>
+          <p:cNvPr id="8" name="Afbeelding 7"/>
+          <p:cNvPicPr>
+            <a:picLocks noChangeAspect="1"/>
+          </p:cNvPicPr>
+          <p:nvPr/>
+        </p:nvPicPr>
+        <p:blipFill>
+          <a:blip r:embed="rId2">
+            <a:alphaModFix amt="20000"/>
+            <a:extLst>
+              <a:ext uri="{28A0092B-C50C-407E-A947-70E740481C1C}">
+                <a14:useLocalDpi xmlns:a14="http://schemas.microsoft.com/office/drawing/2010/main" val="0"/>
+              </a:ext>
+            </a:extLst>
+          </a:blip>
+          <a:stretch>
+            <a:fillRect/>
+          </a:stretch>
+        </p:blipFill>
+        <p:spPr>
+          <a:xfrm>
+            <a:off x="8662591" y="574480"/>
+            <a:ext cx="8529324" cy="5698014"/>
+          </a:xfrm>
+          <a:prstGeom prst="rect">
+            <a:avLst/>
+          </a:prstGeom>
+        </p:spPr>
+      </p:pic>
+      <p:pic>
+        <p:nvPicPr>
+          <p:cNvPr id="9" name="Afbeelding 8"/>
+          <p:cNvPicPr>
+            <a:picLocks noChangeAspect="1"/>
+          </p:cNvPicPr>
+          <p:nvPr/>
+        </p:nvPicPr>
+        <p:blipFill>
+          <a:blip r:embed="rId2">
+            <a:alphaModFix amt="20000"/>
+            <a:extLst>
+              <a:ext uri="{28A0092B-C50C-407E-A947-70E740481C1C}">
+                <a14:useLocalDpi xmlns:a14="http://schemas.microsoft.com/office/drawing/2010/main" val="0"/>
+              </a:ext>
+            </a:extLst>
+          </a:blip>
+          <a:stretch>
+            <a:fillRect/>
+          </a:stretch>
+        </p:blipFill>
+        <p:spPr>
+          <a:xfrm>
+            <a:off x="-5100922" y="574480"/>
+            <a:ext cx="8529324" cy="5698014"/>
+          </a:xfrm>
+          <a:prstGeom prst="rect">
+            <a:avLst/>
+          </a:prstGeom>
+        </p:spPr>
+      </p:pic>
+    </p:spTree>
+    <p:extLst>
+      <p:ext uri="{BB962C8B-B14F-4D97-AF65-F5344CB8AC3E}">
+        <p14:creationId xmlns:p14="http://schemas.microsoft.com/office/powerpoint/2010/main" val="2104809212"/>
+      </p:ext>
+    </p:extLst>
+  </p:cSld>
+  <p:clrMapOvr>
+    <a:masterClrMapping/>
+  </p:clrMapOvr>
 </p:sld>
 </file>
 
@@ -4717,59 +4846,395 @@
           <a:chExt cx="0" cy="0"/>
         </a:xfrm>
       </p:grpSpPr>
-      <p:pic>
-        <p:nvPicPr>
-          <p:cNvPr id="4" name="Afbeelding 3"/>
-          <p:cNvPicPr>
-            <a:picLocks noChangeAspect="1"/>
-          </p:cNvPicPr>
-          <p:nvPr/>
-        </p:nvPicPr>
-        <p:blipFill>
-          <a:blip r:embed="rId2">
-            <a:extLst>
-              <a:ext uri="{28A0092B-C50C-407E-A947-70E740481C1C}">
-                <a14:useLocalDpi xmlns:a14="http://schemas.microsoft.com/office/drawing/2010/main" val="0"/>
-              </a:ext>
-            </a:extLst>
-          </a:blip>
-          <a:stretch>
-            <a:fillRect/>
-          </a:stretch>
-        </p:blipFill>
+      <p:sp>
+        <p:nvSpPr>
+          <p:cNvPr id="2" name="Titel 1"/>
+          <p:cNvSpPr>
+            <a:spLocks noGrp="1"/>
+          </p:cNvSpPr>
+          <p:nvPr>
+            <p:ph type="title"/>
+          </p:nvPr>
+        </p:nvSpPr>
+        <p:spPr/>
+        <p:txBody>
+          <a:bodyPr>
+            <a:normAutofit/>
+          </a:bodyPr>
+          <a:lstStyle/>
+          <a:p>
+            <a:r>
+              <a:rPr lang="nl-NL" sz="6600" b="1" dirty="0">
+                <a:solidFill>
+                  <a:srgbClr val="123869"/>
+                </a:solidFill>
+                <a:latin typeface="Calibri" charset="0"/>
+                <a:ea typeface="Calibri" charset="0"/>
+                <a:cs typeface="Calibri" charset="0"/>
+              </a:rPr>
+              <a:t>Wat zijn de voordelen</a:t>
+            </a:r>
+          </a:p>
+        </p:txBody>
+      </p:sp>
+      <p:sp>
+        <p:nvSpPr>
+          <p:cNvPr id="3" name="Tijdelijke aanduiding voor inhoud 2"/>
+          <p:cNvSpPr>
+            <a:spLocks noGrp="1"/>
+          </p:cNvSpPr>
+          <p:nvPr>
+            <p:ph idx="1"/>
+          </p:nvPr>
+        </p:nvSpPr>
         <p:spPr>
           <a:xfrm>
-            <a:off x="671606" y="152336"/>
-            <a:ext cx="10791776" cy="6849161"/>
+            <a:off x="838200" y="1825625"/>
+            <a:ext cx="5421923" cy="4351338"/>
+          </a:xfrm>
+        </p:spPr>
+        <p:txBody>
+          <a:bodyPr numCol="1">
+            <a:normAutofit fontScale="70000" lnSpcReduction="20000"/>
+          </a:bodyPr>
+          <a:lstStyle/>
+          <a:p>
+            <a:pPr>
+              <a:lnSpc>
+                <a:spcPct val="170000"/>
+              </a:lnSpc>
+            </a:pPr>
+            <a:r>
+              <a:rPr lang="nl-NL" sz="3200" b="1" dirty="0">
+                <a:solidFill>
+                  <a:srgbClr val="123869"/>
+                </a:solidFill>
+              </a:rPr>
+              <a:t>Python Inbraakalarm:</a:t>
+            </a:r>
+            <a:br>
+              <a:rPr lang="nl-NL" dirty="0"/>
+            </a:br>
+            <a:r>
+              <a:rPr lang="nl-NL" dirty="0"/>
+              <a:t>- Past op alle mogelijke ramen en deuren. </a:t>
+            </a:r>
+            <a:br>
+              <a:rPr lang="nl-NL" dirty="0"/>
+            </a:br>
+            <a:r>
+              <a:rPr lang="nl-NL" dirty="0"/>
+              <a:t>- Plug </a:t>
+            </a:r>
+            <a:r>
+              <a:rPr lang="nl-NL" dirty="0" err="1"/>
+              <a:t>and</a:t>
+            </a:r>
+            <a:r>
+              <a:rPr lang="nl-NL" dirty="0"/>
+              <a:t> </a:t>
+            </a:r>
+            <a:r>
+              <a:rPr lang="nl-NL" dirty="0" err="1"/>
+              <a:t>play</a:t>
+            </a:r>
+            <a:br>
+              <a:rPr lang="nl-NL" dirty="0"/>
+            </a:br>
+            <a:r>
+              <a:rPr lang="nl-NL" dirty="0"/>
+              <a:t>- Standaard voorzien van </a:t>
+            </a:r>
+            <a:r>
+              <a:rPr lang="nl-NL" dirty="0" err="1"/>
+              <a:t>WiFi</a:t>
+            </a:r>
+            <a:r>
+              <a:rPr lang="nl-NL" dirty="0"/>
+              <a:t> en Ethernet. - Alarmen via SMS en email informeren specifiek en tijdig over de status</a:t>
+            </a:r>
+            <a:br>
+              <a:rPr lang="nl-NL" dirty="0"/>
+            </a:br>
+            <a:r>
+              <a:rPr lang="nl-NL" dirty="0"/>
+              <a:t>- Kan onafhankelijk en gecombineerd draaien</a:t>
+            </a:r>
+            <a:br>
+              <a:rPr lang="nl-NL" dirty="0"/>
+            </a:br>
+            <a:r>
+              <a:rPr lang="nl-NL" dirty="0"/>
+              <a:t>- Zelf makkelijk onderhouden met gratis, online documentatie en handleidingen</a:t>
+            </a:r>
+          </a:p>
+        </p:txBody>
+      </p:sp>
+      <p:sp>
+        <p:nvSpPr>
+          <p:cNvPr id="4" name="Tijdelijke aanduiding voor inhoud 2"/>
+          <p:cNvSpPr txBox="1">
+            <a:spLocks/>
+          </p:cNvSpPr>
+          <p:nvPr/>
+        </p:nvSpPr>
+        <p:spPr>
+          <a:xfrm>
+            <a:off x="6260123" y="1825625"/>
+            <a:ext cx="5421923" cy="4351338"/>
           </a:xfrm>
           <a:prstGeom prst="rect">
             <a:avLst/>
           </a:prstGeom>
         </p:spPr>
-      </p:pic>
+        <p:txBody>
+          <a:bodyPr vert="horz" lIns="91440" tIns="45720" rIns="91440" bIns="45720" numCol="1" rtlCol="0">
+            <a:normAutofit fontScale="62500" lnSpcReduction="20000"/>
+          </a:bodyPr>
+          <a:lstStyle>
+            <a:lvl1pPr marL="228600" indent="-228600" algn="l" defTabSz="914400" rtl="0" eaLnBrk="1" latinLnBrk="0" hangingPunct="1">
+              <a:lnSpc>
+                <a:spcPct val="90000"/>
+              </a:lnSpc>
+              <a:spcBef>
+                <a:spcPts val="1000"/>
+              </a:spcBef>
+              <a:buFont typeface="Arial"/>
+              <a:buChar char="•"/>
+              <a:defRPr sz="2800" kern="1200">
+                <a:solidFill>
+                  <a:schemeClr val="tx1"/>
+                </a:solidFill>
+                <a:latin typeface="+mn-lt"/>
+                <a:ea typeface="+mn-ea"/>
+                <a:cs typeface="+mn-cs"/>
+              </a:defRPr>
+            </a:lvl1pPr>
+            <a:lvl2pPr marL="685800" indent="-228600" algn="l" defTabSz="914400" rtl="0" eaLnBrk="1" latinLnBrk="0" hangingPunct="1">
+              <a:lnSpc>
+                <a:spcPct val="90000"/>
+              </a:lnSpc>
+              <a:spcBef>
+                <a:spcPts val="500"/>
+              </a:spcBef>
+              <a:buFont typeface="Arial"/>
+              <a:buChar char="•"/>
+              <a:defRPr sz="2400" kern="1200">
+                <a:solidFill>
+                  <a:schemeClr val="tx1"/>
+                </a:solidFill>
+                <a:latin typeface="+mn-lt"/>
+                <a:ea typeface="+mn-ea"/>
+                <a:cs typeface="+mn-cs"/>
+              </a:defRPr>
+            </a:lvl2pPr>
+            <a:lvl3pPr marL="1143000" indent="-228600" algn="l" defTabSz="914400" rtl="0" eaLnBrk="1" latinLnBrk="0" hangingPunct="1">
+              <a:lnSpc>
+                <a:spcPct val="90000"/>
+              </a:lnSpc>
+              <a:spcBef>
+                <a:spcPts val="500"/>
+              </a:spcBef>
+              <a:buFont typeface="Arial"/>
+              <a:buChar char="•"/>
+              <a:defRPr sz="2000" kern="1200">
+                <a:solidFill>
+                  <a:schemeClr val="tx1"/>
+                </a:solidFill>
+                <a:latin typeface="+mn-lt"/>
+                <a:ea typeface="+mn-ea"/>
+                <a:cs typeface="+mn-cs"/>
+              </a:defRPr>
+            </a:lvl3pPr>
+            <a:lvl4pPr marL="1600200" indent="-228600" algn="l" defTabSz="914400" rtl="0" eaLnBrk="1" latinLnBrk="0" hangingPunct="1">
+              <a:lnSpc>
+                <a:spcPct val="90000"/>
+              </a:lnSpc>
+              <a:spcBef>
+                <a:spcPts val="500"/>
+              </a:spcBef>
+              <a:buFont typeface="Arial"/>
+              <a:buChar char="•"/>
+              <a:defRPr sz="1800" kern="1200">
+                <a:solidFill>
+                  <a:schemeClr val="tx1"/>
+                </a:solidFill>
+                <a:latin typeface="+mn-lt"/>
+                <a:ea typeface="+mn-ea"/>
+                <a:cs typeface="+mn-cs"/>
+              </a:defRPr>
+            </a:lvl4pPr>
+            <a:lvl5pPr marL="2057400" indent="-228600" algn="l" defTabSz="914400" rtl="0" eaLnBrk="1" latinLnBrk="0" hangingPunct="1">
+              <a:lnSpc>
+                <a:spcPct val="90000"/>
+              </a:lnSpc>
+              <a:spcBef>
+                <a:spcPts val="500"/>
+              </a:spcBef>
+              <a:buFont typeface="Arial"/>
+              <a:buChar char="•"/>
+              <a:defRPr sz="1800" kern="1200">
+                <a:solidFill>
+                  <a:schemeClr val="tx1"/>
+                </a:solidFill>
+                <a:latin typeface="+mn-lt"/>
+                <a:ea typeface="+mn-ea"/>
+                <a:cs typeface="+mn-cs"/>
+              </a:defRPr>
+            </a:lvl5pPr>
+            <a:lvl6pPr marL="2514600" indent="-228600" algn="l" defTabSz="914400" rtl="0" eaLnBrk="1" latinLnBrk="0" hangingPunct="1">
+              <a:lnSpc>
+                <a:spcPct val="90000"/>
+              </a:lnSpc>
+              <a:spcBef>
+                <a:spcPts val="500"/>
+              </a:spcBef>
+              <a:buFont typeface="Arial"/>
+              <a:buChar char="•"/>
+              <a:defRPr sz="1800" kern="1200">
+                <a:solidFill>
+                  <a:schemeClr val="tx1"/>
+                </a:solidFill>
+                <a:latin typeface="+mn-lt"/>
+                <a:ea typeface="+mn-ea"/>
+                <a:cs typeface="+mn-cs"/>
+              </a:defRPr>
+            </a:lvl6pPr>
+            <a:lvl7pPr marL="2971800" indent="-228600" algn="l" defTabSz="914400" rtl="0" eaLnBrk="1" latinLnBrk="0" hangingPunct="1">
+              <a:lnSpc>
+                <a:spcPct val="90000"/>
+              </a:lnSpc>
+              <a:spcBef>
+                <a:spcPts val="500"/>
+              </a:spcBef>
+              <a:buFont typeface="Arial"/>
+              <a:buChar char="•"/>
+              <a:defRPr sz="1800" kern="1200">
+                <a:solidFill>
+                  <a:schemeClr val="tx1"/>
+                </a:solidFill>
+                <a:latin typeface="+mn-lt"/>
+                <a:ea typeface="+mn-ea"/>
+                <a:cs typeface="+mn-cs"/>
+              </a:defRPr>
+            </a:lvl7pPr>
+            <a:lvl8pPr marL="3429000" indent="-228600" algn="l" defTabSz="914400" rtl="0" eaLnBrk="1" latinLnBrk="0" hangingPunct="1">
+              <a:lnSpc>
+                <a:spcPct val="90000"/>
+              </a:lnSpc>
+              <a:spcBef>
+                <a:spcPts val="500"/>
+              </a:spcBef>
+              <a:buFont typeface="Arial"/>
+              <a:buChar char="•"/>
+              <a:defRPr sz="1800" kern="1200">
+                <a:solidFill>
+                  <a:schemeClr val="tx1"/>
+                </a:solidFill>
+                <a:latin typeface="+mn-lt"/>
+                <a:ea typeface="+mn-ea"/>
+                <a:cs typeface="+mn-cs"/>
+              </a:defRPr>
+            </a:lvl8pPr>
+            <a:lvl9pPr marL="3886200" indent="-228600" algn="l" defTabSz="914400" rtl="0" eaLnBrk="1" latinLnBrk="0" hangingPunct="1">
+              <a:lnSpc>
+                <a:spcPct val="90000"/>
+              </a:lnSpc>
+              <a:spcBef>
+                <a:spcPts val="500"/>
+              </a:spcBef>
+              <a:buFont typeface="Arial"/>
+              <a:buChar char="•"/>
+              <a:defRPr sz="1800" kern="1200">
+                <a:solidFill>
+                  <a:schemeClr val="tx1"/>
+                </a:solidFill>
+                <a:latin typeface="+mn-lt"/>
+                <a:ea typeface="+mn-ea"/>
+                <a:cs typeface="+mn-cs"/>
+              </a:defRPr>
+            </a:lvl9pPr>
+          </a:lstStyle>
+          <a:p>
+            <a:pPr>
+              <a:lnSpc>
+                <a:spcPct val="170000"/>
+              </a:lnSpc>
+            </a:pPr>
+            <a:r>
+              <a:rPr lang="nl-NL" sz="3200" b="1" dirty="0">
+                <a:solidFill>
+                  <a:srgbClr val="123869"/>
+                </a:solidFill>
+              </a:rPr>
+              <a:t>Concurrent X:</a:t>
+            </a:r>
+            <a:br>
+              <a:rPr lang="nl-NL" dirty="0"/>
+            </a:br>
+            <a:r>
+              <a:rPr lang="nl-NL" dirty="0"/>
+              <a:t>- Vereist montagebeugels voor verschillende merken venster. </a:t>
+            </a:r>
+            <a:br>
+              <a:rPr lang="nl-NL" dirty="0"/>
+            </a:br>
+            <a:r>
+              <a:rPr lang="nl-NL" dirty="0"/>
+              <a:t>- Uitgebreide koppelprocedure nodig voor samenwerking met andere, bestaande systemen.</a:t>
+            </a:r>
+            <a:br>
+              <a:rPr lang="nl-NL" dirty="0"/>
+            </a:br>
+            <a:r>
+              <a:rPr lang="nl-NL" dirty="0"/>
+              <a:t>- Afhankelijk van telefoonlijnen voor communicatie</a:t>
+            </a:r>
+            <a:br>
+              <a:rPr lang="nl-NL" dirty="0"/>
+            </a:br>
+            <a:r>
+              <a:rPr lang="nl-NL" dirty="0"/>
+              <a:t>- Werkt niet zonder centrale regelcentrale</a:t>
+            </a:r>
+            <a:br>
+              <a:rPr lang="nl-NL" dirty="0"/>
+            </a:br>
+            <a:r>
+              <a:rPr lang="nl-NL" dirty="0"/>
+              <a:t>- Gebonden aan hoge onderhoudskosten door jaarlijkse keuringen</a:t>
+            </a:r>
+            <a:br>
+              <a:rPr lang="nl-NL" dirty="0"/>
+            </a:br>
+            <a:endParaRPr lang="nl-NL" dirty="0"/>
+          </a:p>
+        </p:txBody>
+      </p:sp>
     </p:spTree>
     <p:extLst>
       <p:ext uri="{BB962C8B-B14F-4D97-AF65-F5344CB8AC3E}">
-        <p14:creationId xmlns:p14="http://schemas.microsoft.com/office/powerpoint/2010/main" val="1954019889"/>
+        <p14:creationId xmlns:p14="http://schemas.microsoft.com/office/powerpoint/2010/main" val="2204803"/>
       </p:ext>
     </p:extLst>
   </p:cSld>
   <p:clrMapOvr>
     <a:masterClrMapping/>
   </p:clrMapOvr>
-  <p:timing>
-    <p:tnLst>
-      <p:par>
-        <p:cTn id="1" dur="indefinite" restart="never" nodeType="tmRoot"/>
-      </p:par>
-    </p:tnLst>
-  </p:timing>
 </p:sld>
 </file>
 
 <file path=ppt/slides/slide9.xml><?xml version="1.0" encoding="utf-8"?>
 <p:sld xmlns:a="http://schemas.openxmlformats.org/drawingml/2006/main" xmlns:r="http://schemas.openxmlformats.org/officeDocument/2006/relationships" xmlns:p="http://schemas.openxmlformats.org/presentationml/2006/main">
   <p:cSld>
+    <p:bg>
+      <p:bgPr>
+        <a:solidFill>
+          <a:srgbClr val="123869"/>
+        </a:solidFill>
+        <a:effectLst/>
+      </p:bgPr>
+    </p:bg>
     <p:spTree>
       <p:nvGrpSpPr>
         <p:cNvPr id="1" name=""/>
@@ -4791,30 +5256,73 @@
             <a:spLocks noGrp="1"/>
           </p:cNvSpPr>
           <p:nvPr>
-            <p:ph type="title"/>
-          </p:nvPr>
-        </p:nvSpPr>
-        <p:spPr/>
-        <p:txBody>
-          <a:bodyPr>
-            <a:normAutofit/>
+            <p:ph type="ctrTitle"/>
+          </p:nvPr>
+        </p:nvSpPr>
+        <p:spPr>
+          <a:xfrm>
+            <a:off x="1524000" y="2565862"/>
+            <a:ext cx="9144000" cy="2387600"/>
+          </a:xfrm>
+        </p:spPr>
+        <p:txBody>
+          <a:bodyPr bIns="46800">
+            <a:normAutofit fontScale="90000"/>
           </a:bodyPr>
           <a:lstStyle/>
           <a:p>
-            <a:r>
-              <a:rPr lang="nl-NL" sz="6600" b="1" dirty="0" smtClean="0">
+            <a:pPr>
+              <a:lnSpc>
+                <a:spcPct val="80000"/>
+              </a:lnSpc>
+            </a:pPr>
+            <a:r>
+              <a:rPr lang="en-GB" sz="8000" b="1" dirty="0">
                 <a:solidFill>
-                  <a:srgbClr val="123869"/>
+                  <a:schemeClr val="bg1"/>
                 </a:solidFill>
                 <a:latin typeface="Calibri" charset="0"/>
                 <a:ea typeface="Calibri" charset="0"/>
                 <a:cs typeface="Calibri" charset="0"/>
               </a:rPr>
-              <a:t>Libraries die zijn gebruikt</a:t>
-            </a:r>
-            <a:endParaRPr lang="nl-NL" sz="6600" b="1" dirty="0">
+              <a:t>Het Python </a:t>
+            </a:r>
+            <a:r>
+              <a:rPr lang="en-GB" sz="8000" b="1" dirty="0" err="1">
+                <a:solidFill>
+                  <a:schemeClr val="bg1"/>
+                </a:solidFill>
+                <a:latin typeface="Calibri" charset="0"/>
+                <a:ea typeface="Calibri" charset="0"/>
+                <a:cs typeface="Calibri" charset="0"/>
+              </a:rPr>
+              <a:t>Inbraakalarm</a:t>
+            </a:r>
+            <a:r>
+              <a:rPr lang="en-GB" sz="8000" b="1" dirty="0">
+                <a:solidFill>
+                  <a:schemeClr val="bg1"/>
+                </a:solidFill>
+                <a:latin typeface="Calibri" charset="0"/>
+                <a:ea typeface="Calibri" charset="0"/>
+                <a:cs typeface="Calibri" charset="0"/>
+              </a:rPr>
+              <a:t> op de </a:t>
+            </a:r>
+            <a:r>
+              <a:rPr lang="en-GB" sz="8000" b="1" dirty="0" err="1">
+                <a:solidFill>
+                  <a:schemeClr val="bg1"/>
+                </a:solidFill>
+                <a:latin typeface="Calibri" charset="0"/>
+                <a:ea typeface="Calibri" charset="0"/>
+                <a:cs typeface="Calibri" charset="0"/>
+              </a:rPr>
+              <a:t>markt</a:t>
+            </a:r>
+            <a:endParaRPr lang="nl-NL" sz="8000" b="1" dirty="0">
               <a:solidFill>
-                <a:srgbClr val="123869"/>
+                <a:schemeClr val="bg1"/>
               </a:solidFill>
               <a:latin typeface="Calibri" charset="0"/>
               <a:ea typeface="Calibri" charset="0"/>
@@ -4823,142 +5331,78 @@
           </a:p>
         </p:txBody>
       </p:sp>
-      <p:sp>
-        <p:nvSpPr>
-          <p:cNvPr id="3" name="Tijdelijke aanduiding voor inhoud 2"/>
-          <p:cNvSpPr>
-            <a:spLocks noGrp="1"/>
-          </p:cNvSpPr>
-          <p:nvPr>
-            <p:ph idx="1"/>
-          </p:nvPr>
-        </p:nvSpPr>
-        <p:spPr/>
-        <p:txBody>
-          <a:bodyPr numCol="1">
-            <a:normAutofit fontScale="85000" lnSpcReduction="20000"/>
-          </a:bodyPr>
-          <a:lstStyle/>
-          <a:p>
-            <a:pPr>
-              <a:lnSpc>
-                <a:spcPct val="170000"/>
-              </a:lnSpc>
-            </a:pPr>
-            <a:r>
-              <a:rPr lang="nl-NL" sz="3200" b="1" dirty="0" err="1" smtClean="0">
-                <a:solidFill>
-                  <a:srgbClr val="123869"/>
-                </a:solidFill>
-              </a:rPr>
-              <a:t>PyGame</a:t>
-            </a:r>
-            <a:r>
-              <a:rPr lang="nl-NL" sz="3200" b="1" dirty="0" smtClean="0">
-                <a:solidFill>
-                  <a:srgbClr val="123869"/>
-                </a:solidFill>
-              </a:rPr>
-              <a:t>:</a:t>
-            </a:r>
-            <a:r>
-              <a:rPr lang="nl-NL" dirty="0" smtClean="0"/>
-              <a:t/>
-            </a:r>
-            <a:br>
-              <a:rPr lang="nl-NL" dirty="0" smtClean="0"/>
-            </a:br>
-            <a:r>
-              <a:rPr lang="nl-NL" dirty="0" smtClean="0"/>
-              <a:t>Om de status van het systeem te beheren op basis van input hebben we </a:t>
-            </a:r>
-            <a:r>
-              <a:rPr lang="nl-NL" dirty="0" err="1" smtClean="0"/>
-              <a:t>PyGame</a:t>
-            </a:r>
-            <a:r>
-              <a:rPr lang="nl-NL" dirty="0" smtClean="0"/>
-              <a:t> gekozen. </a:t>
-            </a:r>
-            <a:r>
-              <a:rPr lang="nl-NL" dirty="0" err="1" smtClean="0"/>
-              <a:t>PyGame</a:t>
-            </a:r>
-            <a:r>
-              <a:rPr lang="nl-NL" dirty="0" smtClean="0"/>
-              <a:t> wordt alleen gebruikt voor het aansturen het alarmsysteem op basis van input van de gebruiker.</a:t>
-            </a:r>
-          </a:p>
-          <a:p>
-            <a:pPr>
-              <a:lnSpc>
-                <a:spcPct val="170000"/>
-              </a:lnSpc>
-            </a:pPr>
-            <a:r>
-              <a:rPr lang="nl-NL" sz="3200" b="1" dirty="0" err="1" smtClean="0">
-                <a:solidFill>
-                  <a:srgbClr val="123869"/>
-                </a:solidFill>
-              </a:rPr>
-              <a:t>SQLite</a:t>
-            </a:r>
-            <a:r>
-              <a:rPr lang="nl-NL" sz="3200" b="1" dirty="0" smtClean="0">
-                <a:solidFill>
-                  <a:srgbClr val="123869"/>
-                </a:solidFill>
-              </a:rPr>
-              <a:t>:</a:t>
-            </a:r>
-            <a:r>
-              <a:rPr lang="nl-NL" dirty="0" smtClean="0"/>
-              <a:t/>
-            </a:r>
-            <a:br>
-              <a:rPr lang="nl-NL" dirty="0" smtClean="0"/>
-            </a:br>
-            <a:r>
-              <a:rPr lang="nl-NL" dirty="0" smtClean="0"/>
-              <a:t>Eerst wilden wij met </a:t>
-            </a:r>
-            <a:r>
-              <a:rPr lang="nl-NL" dirty="0" err="1" smtClean="0"/>
-              <a:t>FireBase</a:t>
-            </a:r>
-            <a:r>
-              <a:rPr lang="nl-NL" dirty="0" smtClean="0"/>
-              <a:t> (online database) werken, dit gaf problemen waardoor we toch hebben gekozen voor </a:t>
-            </a:r>
-            <a:r>
-              <a:rPr lang="nl-NL" dirty="0" err="1" smtClean="0"/>
-              <a:t>SQLite</a:t>
-            </a:r>
-            <a:r>
-              <a:rPr lang="nl-NL" dirty="0" smtClean="0"/>
-              <a:t>.</a:t>
-            </a:r>
-            <a:endParaRPr lang="nl-NL" dirty="0"/>
-          </a:p>
-        </p:txBody>
-      </p:sp>
+      <p:pic>
+        <p:nvPicPr>
+          <p:cNvPr id="8" name="Afbeelding 7"/>
+          <p:cNvPicPr>
+            <a:picLocks noChangeAspect="1"/>
+          </p:cNvPicPr>
+          <p:nvPr/>
+        </p:nvPicPr>
+        <p:blipFill>
+          <a:blip r:embed="rId2">
+            <a:alphaModFix amt="20000"/>
+            <a:extLst>
+              <a:ext uri="{28A0092B-C50C-407E-A947-70E740481C1C}">
+                <a14:useLocalDpi xmlns:a14="http://schemas.microsoft.com/office/drawing/2010/main" val="0"/>
+              </a:ext>
+            </a:extLst>
+          </a:blip>
+          <a:stretch>
+            <a:fillRect/>
+          </a:stretch>
+        </p:blipFill>
+        <p:spPr>
+          <a:xfrm>
+            <a:off x="7036991" y="269680"/>
+            <a:ext cx="8529324" cy="5698014"/>
+          </a:xfrm>
+          <a:prstGeom prst="rect">
+            <a:avLst/>
+          </a:prstGeom>
+        </p:spPr>
+      </p:pic>
+      <p:pic>
+        <p:nvPicPr>
+          <p:cNvPr id="9" name="Afbeelding 8"/>
+          <p:cNvPicPr>
+            <a:picLocks noChangeAspect="1"/>
+          </p:cNvPicPr>
+          <p:nvPr/>
+        </p:nvPicPr>
+        <p:blipFill>
+          <a:blip r:embed="rId2">
+            <a:alphaModFix amt="20000"/>
+            <a:extLst>
+              <a:ext uri="{28A0092B-C50C-407E-A947-70E740481C1C}">
+                <a14:useLocalDpi xmlns:a14="http://schemas.microsoft.com/office/drawing/2010/main" val="0"/>
+              </a:ext>
+            </a:extLst>
+          </a:blip>
+          <a:stretch>
+            <a:fillRect/>
+          </a:stretch>
+        </p:blipFill>
+        <p:spPr>
+          <a:xfrm>
+            <a:off x="-5100922" y="574480"/>
+            <a:ext cx="8529324" cy="5698014"/>
+          </a:xfrm>
+          <a:prstGeom prst="rect">
+            <a:avLst/>
+          </a:prstGeom>
+        </p:spPr>
+      </p:pic>
     </p:spTree>
     <p:extLst>
       <p:ext uri="{BB962C8B-B14F-4D97-AF65-F5344CB8AC3E}">
-        <p14:creationId xmlns:p14="http://schemas.microsoft.com/office/powerpoint/2010/main" val="2204803"/>
+        <p14:creationId xmlns:p14="http://schemas.microsoft.com/office/powerpoint/2010/main" val="1752642411"/>
       </p:ext>
     </p:extLst>
   </p:cSld>
   <p:clrMapOvr>
     <a:masterClrMapping/>
   </p:clrMapOvr>
-  <p:timing>
-    <p:tnLst>
-      <p:par>
-        <p:cTn id="1" dur="indefinite" restart="never" nodeType="tmRoot"/>
-      </p:par>
-    </p:tnLst>
-  </p:timing>
 </p:sld>
 </file>
 

--- a/presentatie/minproject-presentatie.pptx
+++ b/presentatie/minproject-presentatie.pptx
@@ -4072,7 +4072,7 @@
         </p:nvSpPr>
         <p:spPr>
           <a:xfrm>
-            <a:off x="1524000" y="2229687"/>
+            <a:off x="1473497" y="1329801"/>
             <a:ext cx="9144000" cy="2387600"/>
           </a:xfrm>
         </p:spPr>
@@ -4895,7 +4895,7 @@
         </p:spPr>
         <p:txBody>
           <a:bodyPr numCol="1">
-            <a:normAutofit fontScale="70000" lnSpcReduction="20000"/>
+            <a:normAutofit fontScale="62500" lnSpcReduction="20000"/>
           </a:bodyPr>
           <a:lstStyle/>
           <a:p>
@@ -4951,21 +4951,51 @@
             </a:r>
             <a:r>
               <a:rPr lang="nl-NL" dirty="0"/>
-              <a:t> en Ethernet. - Alarmen via SMS en email informeren specifiek en tijdig over de status</a:t>
+              <a:t> en Ethernet. </a:t>
             </a:r>
             <a:br>
               <a:rPr lang="nl-NL" dirty="0"/>
             </a:br>
             <a:r>
               <a:rPr lang="nl-NL" dirty="0"/>
-              <a:t>- Kan onafhankelijk en gecombineerd draaien</a:t>
+              <a:t>- Alarmen i</a:t>
+            </a:r>
+            <a:r>
+              <a:rPr lang="nl-NL" dirty="0"/>
+              <a:t>nformeren </a:t>
+            </a:r>
+            <a:r>
+              <a:rPr lang="nl-NL" dirty="0"/>
+              <a:t>via telefonisch bericht specifiek en tijdig over de status</a:t>
             </a:r>
             <a:br>
               <a:rPr lang="nl-NL" dirty="0"/>
             </a:br>
             <a:r>
               <a:rPr lang="nl-NL" dirty="0"/>
+              <a:t>- Kan onafhankelijk en gecombineerd draaien</a:t>
+            </a:r>
+            <a:br>
+              <a:rPr lang="nl-NL" dirty="0"/>
+            </a:br>
+            <a:r>
+              <a:rPr lang="nl-NL" dirty="0"/>
               <a:t>- Zelf makkelijk onderhouden met gratis, online documentatie en handleidingen</a:t>
+            </a:r>
+            <a:br>
+              <a:rPr lang="nl-NL" dirty="0"/>
+            </a:br>
+            <a:r>
+              <a:rPr lang="nl-NL" dirty="0"/>
+              <a:t>- Standaard </a:t>
+            </a:r>
+            <a:r>
+              <a:rPr lang="nl-NL" dirty="0" err="1"/>
+              <a:t>backupsysteem</a:t>
+            </a:r>
+            <a:r>
+              <a:rPr lang="nl-NL" dirty="0"/>
+              <a:t> meegeleverd</a:t>
             </a:r>
           </a:p>
         </p:txBody>

--- a/presentatie/minproject-presentatie.pptx
+++ b/presentatie/minproject-presentatie.pptx
@@ -4958,15 +4958,7 @@
             </a:br>
             <a:r>
               <a:rPr lang="nl-NL" dirty="0"/>
-              <a:t>- Alarmen i</a:t>
-            </a:r>
-            <a:r>
-              <a:rPr lang="nl-NL" dirty="0"/>
-              <a:t>nformeren </a:t>
-            </a:r>
-            <a:r>
-              <a:rPr lang="nl-NL" dirty="0"/>
-              <a:t>via telefonisch bericht specifiek en tijdig over de status</a:t>
+              <a:t>- Alarmen informeren via telefonisch bericht specifiek en tijdig over de status</a:t>
             </a:r>
             <a:br>
               <a:rPr lang="nl-NL" dirty="0"/>
